--- a/ECE590_Poster.pptx
+++ b/ECE590_Poster.pptx
@@ -3788,8 +3788,8 @@
         </p:nvGrpSpPr>
         <p:grpSpPr>
           <a:xfrm>
-            <a:off x="27046975" y="23232394"/>
-            <a:ext cx="16210849" cy="3290835"/>
+            <a:off x="528765" y="16829631"/>
+            <a:ext cx="12932801" cy="3290835"/>
             <a:chOff x="30710888" y="20193000"/>
             <a:chExt cx="12649200" cy="3290835"/>
           </a:xfrm>
@@ -3961,8 +3961,8 @@
         </p:nvGrpSpPr>
         <p:grpSpPr>
           <a:xfrm>
-            <a:off x="27013803" y="29204939"/>
-            <a:ext cx="16327437" cy="2342257"/>
+            <a:off x="495389" y="23479881"/>
+            <a:ext cx="13025813" cy="2342257"/>
             <a:chOff x="30710888" y="20159068"/>
             <a:chExt cx="12649200" cy="2342257"/>
           </a:xfrm>
@@ -4245,763 +4245,16 @@
       </p:grpSp>
       <p:grpSp>
         <p:nvGrpSpPr>
-          <p:cNvPr id="21" name="Group 20"/>
-          <p:cNvGrpSpPr/>
-          <p:nvPr/>
-        </p:nvGrpSpPr>
-        <p:grpSpPr>
-          <a:xfrm>
-            <a:off x="599371" y="17062460"/>
-            <a:ext cx="12898938" cy="15015009"/>
-            <a:chOff x="500751" y="14510019"/>
-            <a:chExt cx="12898938" cy="15015009"/>
-          </a:xfrm>
-        </p:grpSpPr>
-        <p:sp>
-          <p:nvSpPr>
-            <p:cNvPr id="31" name="TextBox 30"/>
-            <p:cNvSpPr txBox="1"/>
-            <p:nvPr/>
-          </p:nvSpPr>
-          <p:spPr>
-            <a:xfrm>
-              <a:off x="702563" y="14510019"/>
-              <a:ext cx="12697126" cy="923330"/>
-            </a:xfrm>
-            <a:prstGeom prst="rect">
-              <a:avLst/>
-            </a:prstGeom>
-            <a:solidFill>
-              <a:srgbClr val="000061"/>
-            </a:solidFill>
-            <a:ln>
-              <a:solidFill>
-                <a:srgbClr val="000061"/>
-              </a:solidFill>
-            </a:ln>
-          </p:spPr>
-          <p:txBody>
-            <a:bodyPr wrap="square" rtlCol="0">
-              <a:spAutoFit/>
-            </a:bodyPr>
-            <a:lstStyle/>
-            <a:p>
-              <a:pPr marL="685800" indent="-685800" algn="just">
-                <a:buFont typeface="Wingdings" panose="05000000000000000000" pitchFamily="2" charset="2"/>
-                <a:buChar char="Ø"/>
-              </a:pPr>
-              <a:r>
-                <a:rPr lang="en-US" sz="5400" b="1" dirty="0" smtClean="0">
-                  <a:solidFill>
-                    <a:schemeClr val="bg1"/>
-                  </a:solidFill>
-                  <a:latin typeface="Interstate" charset="0"/>
-                  <a:ea typeface="Interstate" charset="0"/>
-                  <a:cs typeface="Interstate" charset="0"/>
-                </a:rPr>
-                <a:t>Background</a:t>
-              </a:r>
-              <a:endParaRPr lang="en-US" sz="5400" b="1" dirty="0">
-                <a:solidFill>
-                  <a:schemeClr val="bg1"/>
-                </a:solidFill>
-                <a:latin typeface="Interstate" charset="0"/>
-                <a:ea typeface="Interstate" charset="0"/>
-                <a:cs typeface="Interstate" charset="0"/>
-              </a:endParaRPr>
-            </a:p>
-          </p:txBody>
-        </p:sp>
-        <p:grpSp>
-          <p:nvGrpSpPr>
-            <p:cNvPr id="13" name="Group 12"/>
-            <p:cNvGrpSpPr/>
-            <p:nvPr/>
-          </p:nvGrpSpPr>
-          <p:grpSpPr>
-            <a:xfrm>
-              <a:off x="500751" y="15686293"/>
-              <a:ext cx="12721398" cy="4762177"/>
-              <a:chOff x="500751" y="15686293"/>
-              <a:chExt cx="12721398" cy="4762177"/>
-            </a:xfrm>
-          </p:grpSpPr>
-          <p:sp>
-            <p:nvSpPr>
-              <p:cNvPr id="35" name="TextBox 34"/>
-              <p:cNvSpPr txBox="1"/>
-              <p:nvPr/>
-            </p:nvSpPr>
-            <p:spPr>
-              <a:xfrm>
-                <a:off x="585740" y="16812745"/>
-                <a:ext cx="7082349" cy="3539430"/>
-              </a:xfrm>
-              <a:prstGeom prst="rect">
-                <a:avLst/>
-              </a:prstGeom>
-              <a:noFill/>
-            </p:spPr>
-            <p:txBody>
-              <a:bodyPr wrap="square" rtlCol="0">
-                <a:spAutoFit/>
-              </a:bodyPr>
-              <a:lstStyle/>
-              <a:p>
-                <a:pPr marL="457200" indent="-457200">
-                  <a:buFont typeface="Arial" charset="0"/>
-                  <a:buChar char="•"/>
-                </a:pPr>
-                <a:r>
-                  <a:rPr lang="en-US" sz="2800" dirty="0" smtClean="0">
-                    <a:latin typeface="Interstate" charset="0"/>
-                    <a:ea typeface="Interstate" charset="0"/>
-                    <a:cs typeface="Interstate" charset="0"/>
-                  </a:rPr>
-                  <a:t>DBS is a surgical therapy for neurological diseases, including</a:t>
-                </a:r>
-              </a:p>
-              <a:p>
-                <a:pPr marL="1270000" lvl="1" indent="-444500">
-                  <a:buFont typeface="Arial" charset="0"/>
-                  <a:buChar char="•"/>
-                </a:pPr>
-                <a:r>
-                  <a:rPr lang="en-US" sz="2800" dirty="0" smtClean="0">
-                    <a:latin typeface="Interstate" charset="0"/>
-                    <a:ea typeface="Interstate" charset="0"/>
-                    <a:cs typeface="Interstate" charset="0"/>
-                  </a:rPr>
-                  <a:t>Parkinson’s Disease</a:t>
-                </a:r>
-              </a:p>
-              <a:p>
-                <a:pPr marL="1270000" lvl="1" indent="-444500">
-                  <a:buFont typeface="Arial" charset="0"/>
-                  <a:buChar char="•"/>
-                </a:pPr>
-                <a:r>
-                  <a:rPr lang="en-US" sz="2800" dirty="0" smtClean="0">
-                    <a:latin typeface="Interstate" charset="0"/>
-                    <a:ea typeface="Interstate" charset="0"/>
-                    <a:cs typeface="Interstate" charset="0"/>
-                  </a:rPr>
-                  <a:t>Essential Tremor</a:t>
-                </a:r>
-              </a:p>
-              <a:p>
-                <a:pPr marL="1270000" lvl="1" indent="-444500">
-                  <a:buFont typeface="Arial" charset="0"/>
-                  <a:buChar char="•"/>
-                </a:pPr>
-                <a:endParaRPr lang="en-US" sz="2800" dirty="0" smtClean="0">
-                  <a:latin typeface="Interstate" charset="0"/>
-                  <a:ea typeface="Interstate" charset="0"/>
-                  <a:cs typeface="Interstate" charset="0"/>
-                </a:endParaRPr>
-              </a:p>
-              <a:p>
-                <a:pPr marL="457200" indent="-457200">
-                  <a:buFont typeface="Arial" charset="0"/>
-                  <a:buChar char="•"/>
-                </a:pPr>
-                <a:r>
-                  <a:rPr lang="en-US" sz="2800" dirty="0">
-                    <a:latin typeface="Interstate" charset="0"/>
-                    <a:ea typeface="Interstate" charset="0"/>
-                    <a:cs typeface="Interstate" charset="0"/>
-                  </a:rPr>
-                  <a:t>Target symptoms treated include</a:t>
-                </a:r>
-              </a:p>
-              <a:p>
-                <a:pPr marL="825500" lvl="1" indent="381000">
-                  <a:buFont typeface="Arial" charset="0"/>
-                  <a:buChar char="•"/>
-                </a:pPr>
-                <a:r>
-                  <a:rPr lang="en-US" sz="2800" dirty="0">
-                    <a:latin typeface="Interstate" charset="0"/>
-                    <a:ea typeface="Interstate" charset="0"/>
-                    <a:cs typeface="Interstate" charset="0"/>
-                  </a:rPr>
-                  <a:t>Bradykinesia (slowness of movement)</a:t>
-                </a:r>
-              </a:p>
-              <a:p>
-                <a:pPr marL="825500" lvl="1" indent="381000">
-                  <a:buFont typeface="Arial" charset="0"/>
-                  <a:buChar char="•"/>
-                </a:pPr>
-                <a:r>
-                  <a:rPr lang="en-US" sz="2800" dirty="0" smtClean="0">
-                    <a:latin typeface="Interstate" charset="0"/>
-                    <a:ea typeface="Interstate" charset="0"/>
-                    <a:cs typeface="Interstate" charset="0"/>
-                  </a:rPr>
-                  <a:t>Tremor</a:t>
-                </a:r>
-              </a:p>
-            </p:txBody>
-          </p:sp>
-          <p:sp>
-            <p:nvSpPr>
-              <p:cNvPr id="2" name="TextBox 1"/>
-              <p:cNvSpPr txBox="1"/>
-              <p:nvPr/>
-            </p:nvSpPr>
-            <p:spPr>
-              <a:xfrm flipH="1">
-                <a:off x="500751" y="15686293"/>
-                <a:ext cx="12721398" cy="707886"/>
-              </a:xfrm>
-              <a:prstGeom prst="rect">
-                <a:avLst/>
-              </a:prstGeom>
-              <a:noFill/>
-            </p:spPr>
-            <p:txBody>
-              <a:bodyPr wrap="square" rtlCol="0">
-                <a:spAutoFit/>
-              </a:bodyPr>
-              <a:lstStyle/>
-              <a:p>
-                <a:pPr algn="ctr"/>
-                <a:r>
-                  <a:rPr lang="en-US" sz="4000" b="1" u="sng" dirty="0">
-                    <a:latin typeface="Interstate" charset="0"/>
-                    <a:ea typeface="Interstate" charset="0"/>
-                    <a:cs typeface="Interstate" charset="0"/>
-                  </a:rPr>
-                  <a:t>Deep Brain Stimulation (DBS)</a:t>
-                </a:r>
-              </a:p>
-            </p:txBody>
-          </p:sp>
-          <p:pic>
-            <p:nvPicPr>
-              <p:cNvPr id="3" name="Picture 2"/>
-              <p:cNvPicPr>
-                <a:picLocks noChangeAspect="1"/>
-              </p:cNvPicPr>
-              <p:nvPr/>
-            </p:nvPicPr>
-            <p:blipFill>
-              <a:blip r:embed="rId3">
-                <a:extLst>
-                  <a:ext uri="{28A0092B-C50C-407E-A947-70E740481C1C}">
-                    <a14:useLocalDpi xmlns:a14="http://schemas.microsoft.com/office/drawing/2010/main"/>
-                  </a:ext>
-                </a:extLst>
-              </a:blip>
-              <a:stretch>
-                <a:fillRect/>
-              </a:stretch>
-            </p:blipFill>
-            <p:spPr>
-              <a:xfrm>
-                <a:off x="7610531" y="16427762"/>
-                <a:ext cx="5150761" cy="3999232"/>
-              </a:xfrm>
-              <a:prstGeom prst="rect">
-                <a:avLst/>
-              </a:prstGeom>
-            </p:spPr>
-          </p:pic>
-          <p:sp>
-            <p:nvSpPr>
-              <p:cNvPr id="10" name="Rectangle 9"/>
-              <p:cNvSpPr/>
-              <p:nvPr/>
-            </p:nvSpPr>
-            <p:spPr>
-              <a:xfrm>
-                <a:off x="10052644" y="20109916"/>
-                <a:ext cx="2922895" cy="338554"/>
-              </a:xfrm>
-              <a:prstGeom prst="rect">
-                <a:avLst/>
-              </a:prstGeom>
-            </p:spPr>
-            <p:txBody>
-              <a:bodyPr wrap="square">
-                <a:spAutoFit/>
-              </a:bodyPr>
-              <a:lstStyle/>
-              <a:p>
-                <a:pPr algn="just"/>
-                <a:r>
-                  <a:rPr lang="en-US" sz="1600" dirty="0" smtClean="0">
-                    <a:latin typeface="Interstate" charset="0"/>
-                    <a:ea typeface="Interstate" charset="0"/>
-                    <a:cs typeface="Interstate" charset="0"/>
-                  </a:rPr>
-                  <a:t>Photo: UC Denver, Neurosurgery</a:t>
-                </a:r>
-                <a:endParaRPr lang="en-US" sz="1600" dirty="0">
-                  <a:latin typeface="Interstate" charset="0"/>
-                  <a:ea typeface="Interstate" charset="0"/>
-                  <a:cs typeface="Interstate" charset="0"/>
-                </a:endParaRPr>
-              </a:p>
-            </p:txBody>
-          </p:sp>
-        </p:grpSp>
-        <p:grpSp>
-          <p:nvGrpSpPr>
-            <p:cNvPr id="12" name="Group 11"/>
-            <p:cNvGrpSpPr/>
-            <p:nvPr/>
-          </p:nvGrpSpPr>
-          <p:grpSpPr>
-            <a:xfrm>
-              <a:off x="606994" y="20880422"/>
-              <a:ext cx="12792695" cy="5049361"/>
-              <a:chOff x="606994" y="20880422"/>
-              <a:chExt cx="12792695" cy="5049361"/>
-            </a:xfrm>
-          </p:grpSpPr>
-          <p:sp>
-            <p:nvSpPr>
-              <p:cNvPr id="37" name="TextBox 36"/>
-              <p:cNvSpPr txBox="1"/>
-              <p:nvPr/>
-            </p:nvSpPr>
-            <p:spPr>
-              <a:xfrm flipH="1">
-                <a:off x="606994" y="20880422"/>
-                <a:ext cx="6877706" cy="1323439"/>
-              </a:xfrm>
-              <a:prstGeom prst="rect">
-                <a:avLst/>
-              </a:prstGeom>
-              <a:noFill/>
-            </p:spPr>
-            <p:txBody>
-              <a:bodyPr wrap="square" rtlCol="0">
-                <a:spAutoFit/>
-              </a:bodyPr>
-              <a:lstStyle/>
-              <a:p>
-                <a:pPr algn="ctr"/>
-                <a:r>
-                  <a:rPr lang="en-US" sz="4000" b="1" u="sng" dirty="0" smtClean="0">
-                    <a:latin typeface="Interstate" charset="0"/>
-                    <a:ea typeface="Interstate" charset="0"/>
-                    <a:cs typeface="Interstate" charset="0"/>
-                  </a:rPr>
-                  <a:t>Evoked Compound Action Potentials (ECAPs)</a:t>
-                </a:r>
-                <a:endParaRPr lang="en-US" sz="4000" b="1" u="sng" dirty="0">
-                  <a:latin typeface="Interstate" charset="0"/>
-                  <a:ea typeface="Interstate" charset="0"/>
-                  <a:cs typeface="Interstate" charset="0"/>
-                </a:endParaRPr>
-              </a:p>
-            </p:txBody>
-          </p:sp>
-          <p:sp>
-            <p:nvSpPr>
-              <p:cNvPr id="41" name="TextBox 40"/>
-              <p:cNvSpPr txBox="1"/>
-              <p:nvPr/>
-            </p:nvSpPr>
-            <p:spPr>
-              <a:xfrm>
-                <a:off x="810342" y="22380526"/>
-                <a:ext cx="7082349" cy="3108543"/>
-              </a:xfrm>
-              <a:prstGeom prst="rect">
-                <a:avLst/>
-              </a:prstGeom>
-              <a:noFill/>
-            </p:spPr>
-            <p:txBody>
-              <a:bodyPr wrap="square" rtlCol="0">
-                <a:spAutoFit/>
-              </a:bodyPr>
-              <a:lstStyle/>
-              <a:p>
-                <a:pPr marL="457200" indent="-457200">
-                  <a:buFont typeface="Arial" charset="0"/>
-                  <a:buChar char="•"/>
-                </a:pPr>
-                <a:r>
-                  <a:rPr lang="en-US" sz="2800" dirty="0" smtClean="0">
-                    <a:latin typeface="Interstate" charset="0"/>
-                    <a:ea typeface="Interstate" charset="0"/>
-                    <a:cs typeface="Interstate" charset="0"/>
-                  </a:rPr>
-                  <a:t>DBS activates a neural population around the lead. Membrane currents create measurable potentials.</a:t>
-                </a:r>
-              </a:p>
-              <a:p>
-                <a:pPr marL="457200" indent="-457200">
-                  <a:buFont typeface="Arial" charset="0"/>
-                  <a:buChar char="•"/>
-                </a:pPr>
-                <a:endParaRPr lang="en-US" sz="2800" dirty="0">
-                  <a:latin typeface="Interstate" charset="0"/>
-                  <a:ea typeface="Interstate" charset="0"/>
-                  <a:cs typeface="Interstate" charset="0"/>
-                </a:endParaRPr>
-              </a:p>
-              <a:p>
-                <a:pPr marL="457200" indent="-457200">
-                  <a:buFont typeface="Arial" charset="0"/>
-                  <a:buChar char="•"/>
-                </a:pPr>
-                <a:r>
-                  <a:rPr lang="en-US" sz="2800" dirty="0" smtClean="0">
-                    <a:latin typeface="Interstate" charset="0"/>
-                    <a:ea typeface="Interstate" charset="0"/>
-                    <a:cs typeface="Interstate" charset="0"/>
-                  </a:rPr>
-                  <a:t>ECAP recordings can be used to:</a:t>
-                </a:r>
-              </a:p>
-              <a:p>
-                <a:pPr marL="920750" lvl="1" indent="-444500">
-                  <a:buFont typeface="Arial" charset="0"/>
-                  <a:buChar char="•"/>
-                </a:pPr>
-                <a:r>
-                  <a:rPr lang="en-US" sz="2800" dirty="0" smtClean="0">
-                    <a:latin typeface="Interstate" charset="0"/>
-                    <a:ea typeface="Interstate" charset="0"/>
-                    <a:cs typeface="Interstate" charset="0"/>
-                  </a:rPr>
-                  <a:t>Interpret activated neural elements</a:t>
-                </a:r>
-              </a:p>
-              <a:p>
-                <a:pPr marL="920750" lvl="1" indent="-444500">
-                  <a:buFont typeface="Arial" charset="0"/>
-                  <a:buChar char="•"/>
-                </a:pPr>
-                <a:r>
-                  <a:rPr lang="en-US" sz="2800" dirty="0" smtClean="0">
-                    <a:latin typeface="Interstate" charset="0"/>
-                    <a:ea typeface="Interstate" charset="0"/>
-                    <a:cs typeface="Interstate" charset="0"/>
-                  </a:rPr>
-                  <a:t>Define signatures of clinical effectiveness</a:t>
-                </a:r>
-              </a:p>
-            </p:txBody>
-          </p:sp>
-          <p:pic>
-            <p:nvPicPr>
-              <p:cNvPr id="42" name="Picture 2"/>
-              <p:cNvPicPr>
-                <a:picLocks noChangeAspect="1" noChangeArrowheads="1"/>
-              </p:cNvPicPr>
-              <p:nvPr/>
-            </p:nvPicPr>
-            <p:blipFill>
-              <a:blip r:embed="rId4">
-                <a:extLst>
-                  <a:ext uri="{28A0092B-C50C-407E-A947-70E740481C1C}">
-                    <a14:useLocalDpi xmlns:a14="http://schemas.microsoft.com/office/drawing/2010/main"/>
-                  </a:ext>
-                </a:extLst>
-              </a:blip>
-              <a:srcRect/>
-              <a:stretch>
-                <a:fillRect/>
-              </a:stretch>
-            </p:blipFill>
-            <p:spPr bwMode="auto">
-              <a:xfrm>
-                <a:off x="7892692" y="20942255"/>
-                <a:ext cx="2720470" cy="4987528"/>
-              </a:xfrm>
-              <a:prstGeom prst="rect">
-                <a:avLst/>
-              </a:prstGeom>
-              <a:noFill/>
-              <a:extLst>
-                <a:ext uri="{909E8E84-426E-40dd-AFC4-6F175D3DCCD1}">
-                  <a14:hiddenFill xmlns="" xmlns:a14="http://schemas.microsoft.com/office/drawing/2010/main">
-                    <a:solidFill>
-                      <a:srgbClr val="FFFFFF"/>
-                    </a:solidFill>
-                  </a14:hiddenFill>
-                </a:ext>
-              </a:extLst>
-            </p:spPr>
-          </p:pic>
-          <p:sp>
-            <p:nvSpPr>
-              <p:cNvPr id="45" name="TextBox 44"/>
-              <p:cNvSpPr txBox="1"/>
-              <p:nvPr/>
-            </p:nvSpPr>
-            <p:spPr>
-              <a:xfrm>
-                <a:off x="10624945" y="20956752"/>
-                <a:ext cx="2774744" cy="2677656"/>
-              </a:xfrm>
-              <a:prstGeom prst="rect">
-                <a:avLst/>
-              </a:prstGeom>
-              <a:noFill/>
-            </p:spPr>
-            <p:txBody>
-              <a:bodyPr wrap="square" rtlCol="0">
-                <a:spAutoFit/>
-              </a:bodyPr>
-              <a:lstStyle/>
-              <a:p>
-                <a:r>
-                  <a:rPr lang="en-US" sz="2800" dirty="0" smtClean="0">
-                    <a:solidFill>
-                      <a:schemeClr val="tx1">
-                        <a:lumMod val="50000"/>
-                        <a:lumOff val="50000"/>
-                      </a:schemeClr>
-                    </a:solidFill>
-                    <a:latin typeface="Interstate" charset="0"/>
-                    <a:ea typeface="Interstate" charset="0"/>
-                    <a:cs typeface="Interstate" charset="0"/>
-                  </a:rPr>
-                  <a:t>Postmortem </a:t>
-                </a:r>
-                <a:r>
-                  <a:rPr lang="en-US" sz="2800" i="1" dirty="0" smtClean="0">
-                    <a:solidFill>
-                      <a:schemeClr val="tx1">
-                        <a:lumMod val="50000"/>
-                        <a:lumOff val="50000"/>
-                      </a:schemeClr>
-                    </a:solidFill>
-                    <a:latin typeface="Interstate" charset="0"/>
-                    <a:ea typeface="Interstate" charset="0"/>
-                    <a:cs typeface="Interstate" charset="0"/>
-                  </a:rPr>
-                  <a:t>in Vivo </a:t>
-                </a:r>
-                <a:r>
-                  <a:rPr lang="en-US" sz="2800" dirty="0" smtClean="0">
-                    <a:solidFill>
-                      <a:schemeClr val="tx1">
-                        <a:lumMod val="50000"/>
-                        <a:lumOff val="50000"/>
-                      </a:schemeClr>
-                    </a:solidFill>
-                    <a:latin typeface="Interstate" charset="0"/>
-                    <a:ea typeface="Interstate" charset="0"/>
-                    <a:cs typeface="Interstate" charset="0"/>
-                  </a:rPr>
-                  <a:t>ECAPs from a cat at (a) 1 (b) 3 (c) 5 minutes after euthanasia</a:t>
-                </a:r>
-                <a:r>
-                  <a:rPr lang="en-US" sz="2800" baseline="30000" dirty="0" smtClean="0">
-                    <a:solidFill>
-                      <a:schemeClr val="tx1">
-                        <a:lumMod val="50000"/>
-                        <a:lumOff val="50000"/>
-                      </a:schemeClr>
-                    </a:solidFill>
-                    <a:latin typeface="Interstate" charset="0"/>
-                    <a:ea typeface="Interstate" charset="0"/>
-                    <a:cs typeface="Interstate" charset="0"/>
-                  </a:rPr>
-                  <a:t>1</a:t>
-                </a:r>
-                <a:r>
-                  <a:rPr lang="en-US" sz="2800" dirty="0" smtClean="0">
-                    <a:solidFill>
-                      <a:schemeClr val="tx1">
-                        <a:lumMod val="50000"/>
-                        <a:lumOff val="50000"/>
-                      </a:schemeClr>
-                    </a:solidFill>
-                    <a:latin typeface="Interstate" charset="0"/>
-                    <a:ea typeface="Interstate" charset="0"/>
-                    <a:cs typeface="Interstate" charset="0"/>
-                  </a:rPr>
-                  <a:t>.</a:t>
-                </a:r>
-              </a:p>
-            </p:txBody>
-          </p:sp>
-        </p:grpSp>
-        <p:grpSp>
-          <p:nvGrpSpPr>
-            <p:cNvPr id="20" name="Group 19"/>
-            <p:cNvGrpSpPr/>
-            <p:nvPr/>
-          </p:nvGrpSpPr>
-          <p:grpSpPr>
-            <a:xfrm>
-              <a:off x="1106697" y="26107395"/>
-              <a:ext cx="12234561" cy="3417633"/>
-              <a:chOff x="1106697" y="26107395"/>
-              <a:chExt cx="12234561" cy="3417633"/>
-            </a:xfrm>
-          </p:grpSpPr>
-          <p:pic>
-            <p:nvPicPr>
-              <p:cNvPr id="19" name="Picture 18"/>
-              <p:cNvPicPr>
-                <a:picLocks noChangeAspect="1"/>
-              </p:cNvPicPr>
-              <p:nvPr/>
-            </p:nvPicPr>
-            <p:blipFill>
-              <a:blip r:embed="rId5" cstate="print">
-                <a:extLst>
-                  <a:ext uri="{28A0092B-C50C-407E-A947-70E740481C1C}">
-                    <a14:useLocalDpi xmlns:a14="http://schemas.microsoft.com/office/drawing/2010/main"/>
-                  </a:ext>
-                </a:extLst>
-              </a:blip>
-              <a:stretch>
-                <a:fillRect/>
-              </a:stretch>
-            </p:blipFill>
-            <p:spPr>
-              <a:xfrm>
-                <a:off x="1106697" y="26107395"/>
-                <a:ext cx="4556845" cy="3417633"/>
-              </a:xfrm>
-              <a:prstGeom prst="rect">
-                <a:avLst/>
-              </a:prstGeom>
-            </p:spPr>
-          </p:pic>
-          <p:sp>
-            <p:nvSpPr>
-              <p:cNvPr id="50" name="TextBox 49"/>
-              <p:cNvSpPr txBox="1"/>
-              <p:nvPr/>
-            </p:nvSpPr>
-            <p:spPr>
-              <a:xfrm flipH="1">
-                <a:off x="5663541" y="26264122"/>
-                <a:ext cx="7677717" cy="707886"/>
-              </a:xfrm>
-              <a:prstGeom prst="rect">
-                <a:avLst/>
-              </a:prstGeom>
-              <a:noFill/>
-            </p:spPr>
-            <p:txBody>
-              <a:bodyPr wrap="square" rtlCol="0">
-                <a:spAutoFit/>
-              </a:bodyPr>
-              <a:lstStyle/>
-              <a:p>
-                <a:pPr algn="ctr"/>
-                <a:r>
-                  <a:rPr lang="en-US" sz="4000" b="1" u="sng" dirty="0" smtClean="0">
-                    <a:latin typeface="Interstate" charset="0"/>
-                    <a:ea typeface="Interstate" charset="0"/>
-                    <a:cs typeface="Interstate" charset="0"/>
-                  </a:rPr>
-                  <a:t>Stimulus Artifact</a:t>
-                </a:r>
-                <a:endParaRPr lang="en-US" sz="4000" b="1" u="sng" dirty="0">
-                  <a:latin typeface="Interstate" charset="0"/>
-                  <a:ea typeface="Interstate" charset="0"/>
-                  <a:cs typeface="Interstate" charset="0"/>
-                </a:endParaRPr>
-              </a:p>
-            </p:txBody>
-          </p:sp>
-          <p:sp>
-            <p:nvSpPr>
-              <p:cNvPr id="51" name="TextBox 50"/>
-              <p:cNvSpPr txBox="1"/>
-              <p:nvPr/>
-            </p:nvSpPr>
-            <p:spPr>
-              <a:xfrm>
-                <a:off x="5817636" y="26971303"/>
-                <a:ext cx="7082349" cy="1815882"/>
-              </a:xfrm>
-              <a:prstGeom prst="rect">
-                <a:avLst/>
-              </a:prstGeom>
-              <a:noFill/>
-            </p:spPr>
-            <p:txBody>
-              <a:bodyPr wrap="square" rtlCol="0">
-                <a:spAutoFit/>
-              </a:bodyPr>
-              <a:lstStyle/>
-              <a:p>
-                <a:pPr marL="457200" indent="-457200">
-                  <a:buFont typeface="Arial" charset="0"/>
-                  <a:buChar char="•"/>
-                </a:pPr>
-                <a:r>
-                  <a:rPr lang="en-US" sz="2800" b="1" u="sng" dirty="0" smtClean="0">
-                    <a:latin typeface="Interstate" charset="0"/>
-                    <a:ea typeface="Interstate" charset="0"/>
-                    <a:cs typeface="Interstate" charset="0"/>
-                  </a:rPr>
-                  <a:t>Goal:</a:t>
-                </a:r>
-                <a:r>
-                  <a:rPr lang="en-US" sz="2800" b="1" dirty="0" smtClean="0">
-                    <a:latin typeface="Interstate" charset="0"/>
-                    <a:ea typeface="Interstate" charset="0"/>
-                    <a:cs typeface="Interstate" charset="0"/>
-                  </a:rPr>
-                  <a:t> </a:t>
-                </a:r>
-                <a:r>
-                  <a:rPr lang="en-US" sz="2800" dirty="0" smtClean="0">
-                    <a:latin typeface="Interstate" charset="0"/>
-                    <a:ea typeface="Interstate" charset="0"/>
-                    <a:cs typeface="Interstate" charset="0"/>
-                  </a:rPr>
-                  <a:t>Prevent amplifier saturation by  Stimulus Artifact.</a:t>
-                </a:r>
-              </a:p>
-              <a:p>
-                <a:pPr marL="457200" indent="-457200">
-                  <a:buFont typeface="Arial" charset="0"/>
-                  <a:buChar char="•"/>
-                </a:pPr>
-                <a:endParaRPr lang="en-US" sz="2800" b="1" u="sng" dirty="0">
-                  <a:latin typeface="Interstate" charset="0"/>
-                  <a:ea typeface="Interstate" charset="0"/>
-                  <a:cs typeface="Interstate" charset="0"/>
-                </a:endParaRPr>
-              </a:p>
-              <a:p>
-                <a:pPr marL="457200" indent="-457200">
-                  <a:buFont typeface="Arial" charset="0"/>
-                  <a:buChar char="•"/>
-                </a:pPr>
-                <a:r>
-                  <a:rPr lang="en-US" sz="2800" dirty="0" smtClean="0">
-                    <a:latin typeface="Interstate" charset="0"/>
-                    <a:ea typeface="Interstate" charset="0"/>
-                    <a:cs typeface="Interstate" charset="0"/>
-                  </a:rPr>
-                  <a:t>Amplifier saturation distorts the ECAP</a:t>
-                </a:r>
-              </a:p>
-            </p:txBody>
-          </p:sp>
-        </p:grpSp>
-      </p:grpSp>
-      <p:grpSp>
-        <p:nvGrpSpPr>
           <p:cNvPr id="52" name="Group 51"/>
           <p:cNvGrpSpPr/>
           <p:nvPr/>
         </p:nvGrpSpPr>
         <p:grpSpPr>
           <a:xfrm>
-            <a:off x="26985367" y="26557161"/>
-            <a:ext cx="16193900" cy="1938993"/>
+            <a:off x="466953" y="20832103"/>
+            <a:ext cx="12919279" cy="2103777"/>
             <a:chOff x="30710888" y="20193000"/>
-            <a:chExt cx="12649200" cy="1938993"/>
+            <a:chExt cx="12649200" cy="2103777"/>
           </a:xfrm>
         </p:grpSpPr>
         <p:sp>
@@ -5067,7 +4320,7 @@
           </p:nvSpPr>
           <p:spPr>
             <a:xfrm>
-              <a:off x="30710888" y="21116330"/>
+              <a:off x="30710888" y="21281114"/>
               <a:ext cx="12649200" cy="1015663"/>
             </a:xfrm>
             <a:prstGeom prst="rect">
@@ -5206,62 +4459,22 @@
                 <a:ea typeface="Interstate" charset="0"/>
                 <a:cs typeface="Interstate" charset="0"/>
               </a:rPr>
-              <a:t>Results: Preliminary Prototype Testing</a:t>
-            </a:r>
-            <a:endParaRPr lang="en-US" sz="5400" b="1" dirty="0">
-              <a:solidFill>
-                <a:schemeClr val="bg1"/>
-              </a:solidFill>
-              <a:latin typeface="Interstate" charset="0"/>
-              <a:ea typeface="Interstate" charset="0"/>
-              <a:cs typeface="Interstate" charset="0"/>
-            </a:endParaRPr>
-          </a:p>
-        </p:txBody>
-      </p:sp>
-      <p:sp>
-        <p:nvSpPr>
-          <p:cNvPr id="62" name="TextBox 61"/>
-          <p:cNvSpPr txBox="1"/>
-          <p:nvPr/>
-        </p:nvSpPr>
-        <p:spPr>
-          <a:xfrm>
-            <a:off x="27834489" y="13344229"/>
-            <a:ext cx="5479181" cy="584775"/>
-          </a:xfrm>
-          <a:prstGeom prst="rect">
-            <a:avLst/>
-          </a:prstGeom>
-          <a:noFill/>
-        </p:spPr>
-        <p:txBody>
-          <a:bodyPr wrap="square" rtlCol="0">
-            <a:spAutoFit/>
-          </a:bodyPr>
-          <a:lstStyle/>
-          <a:p>
-            <a:pPr algn="ctr"/>
-            <a:r>
-              <a:rPr lang="en-US" sz="3200" dirty="0" smtClean="0">
+              <a:t>Results: </a:t>
+            </a:r>
+            <a:r>
+              <a:rPr lang="en-US" sz="5400" b="1" dirty="0" smtClean="0">
                 <a:solidFill>
-                  <a:schemeClr val="tx1">
-                    <a:lumMod val="50000"/>
-                    <a:lumOff val="50000"/>
-                  </a:schemeClr>
+                  <a:schemeClr val="bg1"/>
                 </a:solidFill>
                 <a:latin typeface="Interstate" charset="0"/>
                 <a:ea typeface="Interstate" charset="0"/>
                 <a:cs typeface="Interstate" charset="0"/>
               </a:rPr>
-              <a:t>Secondary Input Device Test</a:t>
-            </a:r>
-            <a:endParaRPr lang="en-US" sz="2000" dirty="0" smtClean="0">
+              <a:t>ASIFT</a:t>
+            </a:r>
+            <a:endParaRPr lang="en-US" sz="5400" b="1" dirty="0">
               <a:solidFill>
-                <a:schemeClr val="tx1">
-                  <a:lumMod val="50000"/>
-                  <a:lumOff val="50000"/>
-                </a:schemeClr>
+                <a:schemeClr val="bg1"/>
               </a:solidFill>
               <a:latin typeface="Interstate" charset="0"/>
               <a:ea typeface="Interstate" charset="0"/>
@@ -5330,43 +4543,6 @@
               <a:ea typeface="Garamond 3 LT Std" charset="0"/>
               <a:cs typeface="Garamond 3 LT Std" charset="0"/>
             </a:endParaRPr>
-          </a:p>
-        </p:txBody>
-      </p:sp>
-      <p:sp>
-        <p:nvSpPr>
-          <p:cNvPr id="88" name="TextBox 87"/>
-          <p:cNvSpPr txBox="1"/>
-          <p:nvPr/>
-        </p:nvSpPr>
-        <p:spPr>
-          <a:xfrm>
-            <a:off x="27232319" y="19591839"/>
-            <a:ext cx="4146301" cy="3108543"/>
-          </a:xfrm>
-          <a:prstGeom prst="rect">
-            <a:avLst/>
-          </a:prstGeom>
-          <a:noFill/>
-        </p:spPr>
-        <p:txBody>
-          <a:bodyPr wrap="square" rtlCol="0">
-            <a:spAutoFit/>
-          </a:bodyPr>
-          <a:lstStyle/>
-          <a:p>
-            <a:pPr marL="457200" indent="-457200">
-              <a:buFont typeface="Arial" charset="0"/>
-              <a:buChar char="•"/>
-            </a:pPr>
-            <a:r>
-              <a:rPr lang="en-US" sz="2800" dirty="0" smtClean="0">
-                <a:latin typeface="Interstate" charset="0"/>
-                <a:ea typeface="Interstate" charset="0"/>
-                <a:cs typeface="Interstate" charset="0"/>
-              </a:rPr>
-              <a:t>With minimal modifications to a USB mouse, one can successfully detect whether the left, right or both buttons have been pressed.</a:t>
-            </a:r>
           </a:p>
         </p:txBody>
       </p:sp>
@@ -5501,7 +4677,7 @@
               <p:nvPr/>
             </p:nvPicPr>
             <p:blipFill>
-              <a:blip r:embed="rId6">
+              <a:blip r:embed="rId3">
                 <a:extLst>
                   <a:ext uri="{28A0092B-C50C-407E-A947-70E740481C1C}">
                     <a14:useLocalDpi xmlns:a14="http://schemas.microsoft.com/office/drawing/2010/main"/>
@@ -5639,11 +4815,11 @@
             <p:nvPr/>
           </p:nvPicPr>
           <p:blipFill rotWithShape="1">
-            <a:blip r:embed="rId7">
+            <a:blip r:embed="rId4">
               <a:extLst>
                 <a:ext uri="{BEBA8EAE-BF5A-486C-A8C5-ECC9F3942E4B}">
                   <a14:imgProps xmlns:a14="http://schemas.microsoft.com/office/drawing/2010/main">
-                    <a14:imgLayer r:embed="rId8">
+                    <a14:imgLayer r:embed="rId5">
                       <a14:imgEffect>
                         <a14:sharpenSoften amount="25000"/>
                       </a14:imgEffect>
@@ -7556,7 +6732,7 @@
             <p:nvPr/>
           </p:nvPicPr>
           <p:blipFill>
-            <a:blip r:embed="rId9">
+            <a:blip r:embed="rId6">
               <a:extLst>
                 <a:ext uri="{28A0092B-C50C-407E-A947-70E740481C1C}">
                   <a14:useLocalDpi xmlns:a14="http://schemas.microsoft.com/office/drawing/2010/main"/>
@@ -7664,297 +6840,6 @@
           </p:txBody>
         </p:sp>
       </p:grpSp>
-      <p:pic>
-        <p:nvPicPr>
-          <p:cNvPr id="259" name="Picture 258"/>
-          <p:cNvPicPr>
-            <a:picLocks noChangeAspect="1"/>
-          </p:cNvPicPr>
-          <p:nvPr/>
-        </p:nvPicPr>
-        <p:blipFill>
-          <a:blip r:embed="rId10">
-            <a:extLst>
-              <a:ext uri="{28A0092B-C50C-407E-A947-70E740481C1C}">
-                <a14:useLocalDpi xmlns:a14="http://schemas.microsoft.com/office/drawing/2010/main"/>
-              </a:ext>
-            </a:extLst>
-          </a:blip>
-          <a:stretch>
-            <a:fillRect/>
-          </a:stretch>
-        </p:blipFill>
-        <p:spPr>
-          <a:xfrm>
-            <a:off x="26985367" y="13917030"/>
-            <a:ext cx="7114032" cy="5334000"/>
-          </a:xfrm>
-          <a:prstGeom prst="rect">
-            <a:avLst/>
-          </a:prstGeom>
-        </p:spPr>
-      </p:pic>
-      <p:sp>
-        <p:nvSpPr>
-          <p:cNvPr id="260" name="TextBox 259"/>
-          <p:cNvSpPr txBox="1"/>
-          <p:nvPr/>
-        </p:nvSpPr>
-        <p:spPr>
-          <a:xfrm>
-            <a:off x="28060644" y="14297289"/>
-            <a:ext cx="896014" cy="584775"/>
-          </a:xfrm>
-          <a:prstGeom prst="rect">
-            <a:avLst/>
-          </a:prstGeom>
-          <a:noFill/>
-        </p:spPr>
-        <p:txBody>
-          <a:bodyPr wrap="square" rtlCol="0">
-            <a:spAutoFit/>
-          </a:bodyPr>
-          <a:lstStyle/>
-          <a:p>
-            <a:pPr algn="ctr"/>
-            <a:r>
-              <a:rPr lang="en-US" sz="3200" b="1" dirty="0" smtClean="0">
-                <a:solidFill>
-                  <a:schemeClr val="accent2"/>
-                </a:solidFill>
-                <a:latin typeface="Interstate" charset="0"/>
-                <a:ea typeface="Interstate" charset="0"/>
-                <a:cs typeface="Interstate" charset="0"/>
-              </a:rPr>
-              <a:t>N</a:t>
-            </a:r>
-            <a:endParaRPr lang="en-US" sz="2000" b="1" dirty="0" smtClean="0">
-              <a:solidFill>
-                <a:schemeClr val="accent2"/>
-              </a:solidFill>
-              <a:latin typeface="Interstate" charset="0"/>
-              <a:ea typeface="Interstate" charset="0"/>
-              <a:cs typeface="Interstate" charset="0"/>
-            </a:endParaRPr>
-          </a:p>
-        </p:txBody>
-      </p:sp>
-      <p:sp>
-        <p:nvSpPr>
-          <p:cNvPr id="261" name="TextBox 260"/>
-          <p:cNvSpPr txBox="1"/>
-          <p:nvPr/>
-        </p:nvSpPr>
-        <p:spPr>
-          <a:xfrm>
-            <a:off x="28956658" y="18164236"/>
-            <a:ext cx="896014" cy="584775"/>
-          </a:xfrm>
-          <a:prstGeom prst="rect">
-            <a:avLst/>
-          </a:prstGeom>
-          <a:noFill/>
-        </p:spPr>
-        <p:txBody>
-          <a:bodyPr wrap="square" rtlCol="0">
-            <a:spAutoFit/>
-          </a:bodyPr>
-          <a:lstStyle/>
-          <a:p>
-            <a:pPr algn="ctr"/>
-            <a:r>
-              <a:rPr lang="en-US" sz="3200" b="1" dirty="0" smtClean="0">
-                <a:solidFill>
-                  <a:schemeClr val="accent2"/>
-                </a:solidFill>
-                <a:latin typeface="Interstate" charset="0"/>
-                <a:ea typeface="Interstate" charset="0"/>
-                <a:cs typeface="Interstate" charset="0"/>
-              </a:rPr>
-              <a:t>LR</a:t>
-            </a:r>
-            <a:endParaRPr lang="en-US" sz="2000" b="1" dirty="0" smtClean="0">
-              <a:solidFill>
-                <a:schemeClr val="accent2"/>
-              </a:solidFill>
-              <a:latin typeface="Interstate" charset="0"/>
-              <a:ea typeface="Interstate" charset="0"/>
-              <a:cs typeface="Interstate" charset="0"/>
-            </a:endParaRPr>
-          </a:p>
-        </p:txBody>
-      </p:sp>
-      <p:sp>
-        <p:nvSpPr>
-          <p:cNvPr id="262" name="TextBox 261"/>
-          <p:cNvSpPr txBox="1"/>
-          <p:nvPr/>
-        </p:nvSpPr>
-        <p:spPr>
-          <a:xfrm>
-            <a:off x="29765511" y="15549758"/>
-            <a:ext cx="896014" cy="584775"/>
-          </a:xfrm>
-          <a:prstGeom prst="rect">
-            <a:avLst/>
-          </a:prstGeom>
-          <a:noFill/>
-        </p:spPr>
-        <p:txBody>
-          <a:bodyPr wrap="square" rtlCol="0">
-            <a:spAutoFit/>
-          </a:bodyPr>
-          <a:lstStyle/>
-          <a:p>
-            <a:pPr algn="ctr"/>
-            <a:r>
-              <a:rPr lang="en-US" sz="3200" b="1" dirty="0" smtClean="0">
-                <a:solidFill>
-                  <a:schemeClr val="accent2"/>
-                </a:solidFill>
-                <a:latin typeface="Interstate" charset="0"/>
-                <a:ea typeface="Interstate" charset="0"/>
-                <a:cs typeface="Interstate" charset="0"/>
-              </a:rPr>
-              <a:t>L</a:t>
-            </a:r>
-            <a:endParaRPr lang="en-US" sz="2000" b="1" dirty="0" smtClean="0">
-              <a:solidFill>
-                <a:schemeClr val="accent2"/>
-              </a:solidFill>
-              <a:latin typeface="Interstate" charset="0"/>
-              <a:ea typeface="Interstate" charset="0"/>
-              <a:cs typeface="Interstate" charset="0"/>
-            </a:endParaRPr>
-          </a:p>
-        </p:txBody>
-      </p:sp>
-      <p:sp>
-        <p:nvSpPr>
-          <p:cNvPr id="263" name="TextBox 262"/>
-          <p:cNvSpPr txBox="1"/>
-          <p:nvPr/>
-        </p:nvSpPr>
-        <p:spPr>
-          <a:xfrm>
-            <a:off x="31966745" y="17134298"/>
-            <a:ext cx="896014" cy="584775"/>
-          </a:xfrm>
-          <a:prstGeom prst="rect">
-            <a:avLst/>
-          </a:prstGeom>
-          <a:noFill/>
-        </p:spPr>
-        <p:txBody>
-          <a:bodyPr wrap="square" rtlCol="0">
-            <a:spAutoFit/>
-          </a:bodyPr>
-          <a:lstStyle/>
-          <a:p>
-            <a:pPr algn="ctr"/>
-            <a:r>
-              <a:rPr lang="en-US" sz="3200" b="1" dirty="0" smtClean="0">
-                <a:solidFill>
-                  <a:schemeClr val="accent2"/>
-                </a:solidFill>
-                <a:latin typeface="Interstate" charset="0"/>
-                <a:ea typeface="Interstate" charset="0"/>
-                <a:cs typeface="Interstate" charset="0"/>
-              </a:rPr>
-              <a:t>R</a:t>
-            </a:r>
-            <a:endParaRPr lang="en-US" sz="2000" b="1" dirty="0" smtClean="0">
-              <a:solidFill>
-                <a:schemeClr val="accent2"/>
-              </a:solidFill>
-              <a:latin typeface="Interstate" charset="0"/>
-              <a:ea typeface="Interstate" charset="0"/>
-              <a:cs typeface="Interstate" charset="0"/>
-            </a:endParaRPr>
-          </a:p>
-        </p:txBody>
-      </p:sp>
-      <p:pic>
-        <p:nvPicPr>
-          <p:cNvPr id="264" name="Picture 263"/>
-          <p:cNvPicPr>
-            <a:picLocks noChangeAspect="1"/>
-          </p:cNvPicPr>
-          <p:nvPr/>
-        </p:nvPicPr>
-        <p:blipFill>
-          <a:blip r:embed="rId11">
-            <a:extLst>
-              <a:ext uri="{28A0092B-C50C-407E-A947-70E740481C1C}">
-                <a14:useLocalDpi xmlns:a14="http://schemas.microsoft.com/office/drawing/2010/main"/>
-              </a:ext>
-            </a:extLst>
-          </a:blip>
-          <a:stretch>
-            <a:fillRect/>
-          </a:stretch>
-        </p:blipFill>
-        <p:spPr>
-          <a:xfrm>
-            <a:off x="34497310" y="14042948"/>
-            <a:ext cx="7114032" cy="5334000"/>
-          </a:xfrm>
-          <a:prstGeom prst="rect">
-            <a:avLst/>
-          </a:prstGeom>
-        </p:spPr>
-      </p:pic>
-      <p:sp>
-        <p:nvSpPr>
-          <p:cNvPr id="265" name="TextBox 264"/>
-          <p:cNvSpPr txBox="1"/>
-          <p:nvPr/>
-        </p:nvSpPr>
-        <p:spPr>
-          <a:xfrm>
-            <a:off x="35244290" y="13373831"/>
-            <a:ext cx="5479181" cy="584775"/>
-          </a:xfrm>
-          <a:prstGeom prst="rect">
-            <a:avLst/>
-          </a:prstGeom>
-          <a:noFill/>
-        </p:spPr>
-        <p:txBody>
-          <a:bodyPr wrap="square" rtlCol="0">
-            <a:spAutoFit/>
-          </a:bodyPr>
-          <a:lstStyle/>
-          <a:p>
-            <a:pPr algn="ctr"/>
-            <a:r>
-              <a:rPr lang="en-US" sz="3200" smtClean="0">
-                <a:solidFill>
-                  <a:schemeClr val="tx1">
-                    <a:lumMod val="50000"/>
-                    <a:lumOff val="50000"/>
-                  </a:schemeClr>
-                </a:solidFill>
-                <a:latin typeface="Interstate" charset="0"/>
-                <a:ea typeface="Interstate" charset="0"/>
-                <a:cs typeface="Interstate" charset="0"/>
-              </a:rPr>
-              <a:t>Signal Amplification</a:t>
-            </a:r>
-            <a:endParaRPr lang="en-US" sz="2000" dirty="0" smtClean="0">
-              <a:solidFill>
-                <a:schemeClr val="tx1">
-                  <a:lumMod val="50000"/>
-                  <a:lumOff val="50000"/>
-                </a:schemeClr>
-              </a:solidFill>
-              <a:latin typeface="Interstate" charset="0"/>
-              <a:ea typeface="Interstate" charset="0"/>
-              <a:cs typeface="Interstate" charset="0"/>
-            </a:endParaRPr>
-          </a:p>
-        </p:txBody>
-      </p:sp>
       <p:grpSp>
         <p:nvGrpSpPr>
           <p:cNvPr id="8" name="Group 7"/>
@@ -8011,7 +6896,7 @@
                   <a:ea typeface="Interstate" charset="0"/>
                   <a:cs typeface="Interstate" charset="0"/>
                 </a:rPr>
-                <a:t>Results: Hardware Design</a:t>
+                <a:t>Methods: ASIFT</a:t>
               </a:r>
               <a:endParaRPr lang="en-US" sz="5400" b="1" dirty="0">
                 <a:solidFill>
@@ -8120,7 +7005,7 @@
             <p:nvPr/>
           </p:nvPicPr>
           <p:blipFill rotWithShape="1">
-            <a:blip r:embed="rId12">
+            <a:blip r:embed="rId7">
               <a:extLst>
                 <a:ext uri="{28A0092B-C50C-407E-A947-70E740481C1C}">
                   <a14:useLocalDpi xmlns:a14="http://schemas.microsoft.com/office/drawing/2010/main"/>
@@ -8149,7 +7034,7 @@
             <p:nvPr/>
           </p:nvPicPr>
           <p:blipFill>
-            <a:blip r:embed="rId13">
+            <a:blip r:embed="rId8">
               <a:extLst>
                 <a:ext uri="{28A0092B-C50C-407E-A947-70E740481C1C}">
                   <a14:useLocalDpi xmlns:a14="http://schemas.microsoft.com/office/drawing/2010/main"/>
@@ -8253,124 +7138,6 @@
           </a:p>
         </p:txBody>
       </p:sp>
-      <p:sp>
-        <p:nvSpPr>
-          <p:cNvPr id="118" name="Rectangle 117"/>
-          <p:cNvSpPr/>
-          <p:nvPr/>
-        </p:nvSpPr>
-        <p:spPr>
-          <a:xfrm>
-            <a:off x="10790347" y="27881618"/>
-            <a:ext cx="2616733" cy="338554"/>
-          </a:xfrm>
-          <a:prstGeom prst="rect">
-            <a:avLst/>
-          </a:prstGeom>
-        </p:spPr>
-        <p:txBody>
-          <a:bodyPr wrap="square">
-            <a:spAutoFit/>
-          </a:bodyPr>
-          <a:lstStyle/>
-          <a:p>
-            <a:pPr algn="just"/>
-            <a:r>
-              <a:rPr lang="en-US" sz="1600" dirty="0" smtClean="0">
-                <a:latin typeface="Interstate" charset="0"/>
-                <a:ea typeface="Interstate" charset="0"/>
-                <a:cs typeface="Interstate" charset="0"/>
-              </a:rPr>
-              <a:t>Figure: Kent, 2014</a:t>
-            </a:r>
-            <a:endParaRPr lang="en-US" sz="1600" dirty="0">
-              <a:latin typeface="Interstate" charset="0"/>
-              <a:ea typeface="Interstate" charset="0"/>
-              <a:cs typeface="Interstate" charset="0"/>
-            </a:endParaRPr>
-          </a:p>
-        </p:txBody>
-      </p:sp>
-      <p:pic>
-        <p:nvPicPr>
-          <p:cNvPr id="119" name="Picture 118"/>
-          <p:cNvPicPr>
-            <a:picLocks noChangeAspect="1"/>
-          </p:cNvPicPr>
-          <p:nvPr/>
-        </p:nvPicPr>
-        <p:blipFill rotWithShape="1">
-          <a:blip r:embed="rId14">
-            <a:extLst>
-              <a:ext uri="{28A0092B-C50C-407E-A947-70E740481C1C}">
-                <a14:useLocalDpi xmlns:a14="http://schemas.microsoft.com/office/drawing/2010/main"/>
-              </a:ext>
-            </a:extLst>
-          </a:blip>
-          <a:srcRect/>
-          <a:stretch/>
-        </p:blipFill>
-        <p:spPr>
-          <a:xfrm>
-            <a:off x="30661525" y="18756918"/>
-            <a:ext cx="3954392" cy="4722963"/>
-          </a:xfrm>
-          <a:prstGeom prst="rect">
-            <a:avLst/>
-          </a:prstGeom>
-        </p:spPr>
-      </p:pic>
-      <p:sp>
-        <p:nvSpPr>
-          <p:cNvPr id="122" name="TextBox 121"/>
-          <p:cNvSpPr txBox="1"/>
-          <p:nvPr/>
-        </p:nvSpPr>
-        <p:spPr>
-          <a:xfrm>
-            <a:off x="34715846" y="19440385"/>
-            <a:ext cx="6526646" cy="3539430"/>
-          </a:xfrm>
-          <a:prstGeom prst="rect">
-            <a:avLst/>
-          </a:prstGeom>
-          <a:noFill/>
-        </p:spPr>
-        <p:txBody>
-          <a:bodyPr wrap="square" rtlCol="0">
-            <a:spAutoFit/>
-          </a:bodyPr>
-          <a:lstStyle/>
-          <a:p>
-            <a:pPr marL="457200" indent="-457200">
-              <a:buFont typeface="Arial" charset="0"/>
-              <a:buChar char="•"/>
-            </a:pPr>
-            <a:r>
-              <a:rPr lang="en-US" sz="2800" dirty="0" smtClean="0">
-                <a:latin typeface="Interstate" charset="0"/>
-                <a:ea typeface="Interstate" charset="0"/>
-                <a:cs typeface="Interstate" charset="0"/>
-              </a:rPr>
-              <a:t>Shown are recordings of artifacts resulting from 1 V, 5 Hz bipolar stimulation. They are amplified 1x, 20x, 100x top to bottom.</a:t>
-            </a:r>
-          </a:p>
-          <a:p>
-            <a:pPr marL="457200" indent="-457200">
-              <a:buFont typeface="Arial" charset="0"/>
-              <a:buChar char="•"/>
-            </a:pPr>
-            <a:r>
-              <a:rPr lang="en-US" sz="2800" dirty="0" smtClean="0">
-                <a:latin typeface="Interstate" charset="0"/>
-                <a:ea typeface="Interstate" charset="0"/>
-                <a:cs typeface="Interstate" charset="0"/>
-              </a:rPr>
-              <a:t>Clipping is working as expected, because the amplified recordings have not reached the expected amplitudes, but are much lower.</a:t>
-            </a:r>
-          </a:p>
-        </p:txBody>
-      </p:sp>
       <p:pic>
         <p:nvPicPr>
           <p:cNvPr id="6" name="Picture 5"/>
@@ -8380,7 +7147,7 @@
           <p:nvPr/>
         </p:nvPicPr>
         <p:blipFill>
-          <a:blip r:embed="rId15">
+          <a:blip r:embed="rId9">
             <a:extLst>
               <a:ext uri="{28A0092B-C50C-407E-A947-70E740481C1C}">
                 <a14:useLocalDpi xmlns:a14="http://schemas.microsoft.com/office/drawing/2010/main"/>

--- a/ECE590_Poster.pptx
+++ b/ECE590_Poster.pptx
@@ -214,7 +214,7 @@
           <a:p>
             <a:fld id="{C1761135-55DD-5D44-9E8A-8E2C7DE545BC}" type="datetimeFigureOut">
               <a:rPr lang="en-US" smtClean="0"/>
-              <a:t>4/14/17</a:t>
+              <a:t>4/17/17</a:t>
             </a:fld>
             <a:endParaRPr lang="en-US"/>
           </a:p>
@@ -697,7 +697,7 @@
           <a:p>
             <a:fld id="{9CC87B3C-7632-4571-9990-B87E00D72A10}" type="datetimeFigureOut">
               <a:rPr lang="en-US" smtClean="0"/>
-              <a:t>4/14/17</a:t>
+              <a:t>4/17/17</a:t>
             </a:fld>
             <a:endParaRPr lang="en-US"/>
           </a:p>
@@ -867,7 +867,7 @@
           <a:p>
             <a:fld id="{9CC87B3C-7632-4571-9990-B87E00D72A10}" type="datetimeFigureOut">
               <a:rPr lang="en-US" smtClean="0"/>
-              <a:t>4/14/17</a:t>
+              <a:t>4/17/17</a:t>
             </a:fld>
             <a:endParaRPr lang="en-US"/>
           </a:p>
@@ -1047,7 +1047,7 @@
           <a:p>
             <a:fld id="{9CC87B3C-7632-4571-9990-B87E00D72A10}" type="datetimeFigureOut">
               <a:rPr lang="en-US" smtClean="0"/>
-              <a:t>4/14/17</a:t>
+              <a:t>4/17/17</a:t>
             </a:fld>
             <a:endParaRPr lang="en-US"/>
           </a:p>
@@ -1217,7 +1217,7 @@
           <a:p>
             <a:fld id="{9CC87B3C-7632-4571-9990-B87E00D72A10}" type="datetimeFigureOut">
               <a:rPr lang="en-US" smtClean="0"/>
-              <a:t>4/14/17</a:t>
+              <a:t>4/17/17</a:t>
             </a:fld>
             <a:endParaRPr lang="en-US"/>
           </a:p>
@@ -1461,7 +1461,7 @@
           <a:p>
             <a:fld id="{9CC87B3C-7632-4571-9990-B87E00D72A10}" type="datetimeFigureOut">
               <a:rPr lang="en-US" smtClean="0"/>
-              <a:t>4/14/17</a:t>
+              <a:t>4/17/17</a:t>
             </a:fld>
             <a:endParaRPr lang="en-US"/>
           </a:p>
@@ -1693,7 +1693,7 @@
           <a:p>
             <a:fld id="{9CC87B3C-7632-4571-9990-B87E00D72A10}" type="datetimeFigureOut">
               <a:rPr lang="en-US" smtClean="0"/>
-              <a:t>4/14/17</a:t>
+              <a:t>4/17/17</a:t>
             </a:fld>
             <a:endParaRPr lang="en-US"/>
           </a:p>
@@ -2060,7 +2060,7 @@
           <a:p>
             <a:fld id="{9CC87B3C-7632-4571-9990-B87E00D72A10}" type="datetimeFigureOut">
               <a:rPr lang="en-US" smtClean="0"/>
-              <a:t>4/14/17</a:t>
+              <a:t>4/17/17</a:t>
             </a:fld>
             <a:endParaRPr lang="en-US"/>
           </a:p>
@@ -2178,7 +2178,7 @@
           <a:p>
             <a:fld id="{9CC87B3C-7632-4571-9990-B87E00D72A10}" type="datetimeFigureOut">
               <a:rPr lang="en-US" smtClean="0"/>
-              <a:t>4/14/17</a:t>
+              <a:t>4/17/17</a:t>
             </a:fld>
             <a:endParaRPr lang="en-US"/>
           </a:p>
@@ -2273,7 +2273,7 @@
           <a:p>
             <a:fld id="{9CC87B3C-7632-4571-9990-B87E00D72A10}" type="datetimeFigureOut">
               <a:rPr lang="en-US" smtClean="0"/>
-              <a:t>4/14/17</a:t>
+              <a:t>4/17/17</a:t>
             </a:fld>
             <a:endParaRPr lang="en-US"/>
           </a:p>
@@ -2550,7 +2550,7 @@
           <a:p>
             <a:fld id="{9CC87B3C-7632-4571-9990-B87E00D72A10}" type="datetimeFigureOut">
               <a:rPr lang="en-US" smtClean="0"/>
-              <a:t>4/14/17</a:t>
+              <a:t>4/17/17</a:t>
             </a:fld>
             <a:endParaRPr lang="en-US"/>
           </a:p>
@@ -2807,7 +2807,7 @@
           <a:p>
             <a:fld id="{9CC87B3C-7632-4571-9990-B87E00D72A10}" type="datetimeFigureOut">
               <a:rPr lang="en-US" smtClean="0"/>
-              <a:t>4/14/17</a:t>
+              <a:t>4/17/17</a:t>
             </a:fld>
             <a:endParaRPr lang="en-US"/>
           </a:p>
@@ -3020,7 +3020,7 @@
           <a:p>
             <a:fld id="{9CC87B3C-7632-4571-9990-B87E00D72A10}" type="datetimeFigureOut">
               <a:rPr lang="en-US" smtClean="0"/>
-              <a:t>4/14/17</a:t>
+              <a:t>4/17/17</a:t>
             </a:fld>
             <a:endParaRPr lang="en-US"/>
           </a:p>
@@ -3528,8 +3528,13 @@
                 <a:ea typeface="Interstate" charset="0"/>
                 <a:cs typeface="Interstate" charset="0"/>
               </a:rPr>
-              <a:t>†∂</a:t>
-            </a:r>
+              <a:t>†</a:t>
+            </a:r>
+            <a:endParaRPr lang="en-US" sz="8400" baseline="30000" dirty="0" smtClean="0">
+              <a:latin typeface="Interstate" charset="0"/>
+              <a:ea typeface="Interstate" charset="0"/>
+              <a:cs typeface="Interstate" charset="0"/>
+            </a:endParaRPr>
           </a:p>
           <a:p>
             <a:pPr>
@@ -4115,7 +4120,29 @@
                 <a:ea typeface="Garamond 3 LT Std" charset="0"/>
                 <a:cs typeface="Garamond 3 LT Std" charset="0"/>
               </a:rPr>
-              <a:t>Duke Summer Research Opportunities Program 2016</a:t>
+              <a:t>ECE 590: Image and Video Processing </a:t>
+            </a:r>
+            <a:r>
+              <a:rPr lang="mr-IN" sz="4000" dirty="0" smtClean="0">
+                <a:solidFill>
+                  <a:schemeClr val="bg1"/>
+                </a:solidFill>
+                <a:latin typeface="Garamond 3 LT Std" charset="0"/>
+                <a:ea typeface="Garamond 3 LT Std" charset="0"/>
+                <a:cs typeface="Garamond 3 LT Std" charset="0"/>
+              </a:rPr>
+              <a:t>–</a:t>
+            </a:r>
+            <a:r>
+              <a:rPr lang="en-US" sz="4000" dirty="0" smtClean="0">
+                <a:solidFill>
+                  <a:schemeClr val="bg1"/>
+                </a:solidFill>
+                <a:latin typeface="Garamond 3 LT Std" charset="0"/>
+                <a:ea typeface="Garamond 3 LT Std" charset="0"/>
+                <a:cs typeface="Garamond 3 LT Std" charset="0"/>
+              </a:rPr>
+              <a:t> Spring 2017</a:t>
             </a:r>
             <a:endParaRPr lang="en-US" sz="4000" dirty="0">
               <a:solidFill>
@@ -4425,7 +4452,7 @@
         </p:nvSpPr>
         <p:spPr>
           <a:xfrm>
-            <a:off x="26985367" y="12059663"/>
+            <a:off x="26963210" y="16326992"/>
             <a:ext cx="16374720" cy="916281"/>
           </a:xfrm>
           <a:prstGeom prst="rect">
@@ -4459,18 +4486,7 @@
                 <a:ea typeface="Interstate" charset="0"/>
                 <a:cs typeface="Interstate" charset="0"/>
               </a:rPr>
-              <a:t>Results: </a:t>
-            </a:r>
-            <a:r>
-              <a:rPr lang="en-US" sz="5400" b="1" dirty="0" smtClean="0">
-                <a:solidFill>
-                  <a:schemeClr val="bg1"/>
-                </a:solidFill>
-                <a:latin typeface="Interstate" charset="0"/>
-                <a:ea typeface="Interstate" charset="0"/>
-                <a:cs typeface="Interstate" charset="0"/>
-              </a:rPr>
-              <a:t>ASIFT</a:t>
+              <a:t>Results: ASIFT</a:t>
             </a:r>
             <a:endParaRPr lang="en-US" sz="5400" b="1" dirty="0">
               <a:solidFill>
@@ -4513,28 +4529,6 @@
           <a:lstStyle/>
           <a:p>
             <a:pPr algn="r"/>
-            <a:r>
-              <a:rPr lang="en-US" sz="4000" dirty="0" smtClean="0">
-                <a:solidFill>
-                  <a:schemeClr val="bg1"/>
-                </a:solidFill>
-                <a:latin typeface="Garamond 3 LT Std" charset="0"/>
-                <a:ea typeface="Garamond 3 LT Std" charset="0"/>
-                <a:cs typeface="Garamond 3 LT Std" charset="0"/>
-              </a:rPr>
-              <a:t>Contact: </a:t>
-            </a:r>
-            <a:r>
-              <a:rPr lang="en-US" sz="4000" dirty="0" err="1" smtClean="0">
-                <a:solidFill>
-                  <a:schemeClr val="bg1"/>
-                </a:solidFill>
-                <a:latin typeface="Garamond 3 LT Std" charset="0"/>
-                <a:ea typeface="Garamond 3 LT Std" charset="0"/>
-                <a:cs typeface="Garamond 3 LT Std" charset="0"/>
-              </a:rPr>
-              <a:t>imatlopez.com</a:t>
-            </a:r>
             <a:endParaRPr lang="en-US" sz="4000" dirty="0">
               <a:solidFill>
                 <a:schemeClr val="bg1"/>
@@ -6840,301 +6834,58 @@
           </p:txBody>
         </p:sp>
       </p:grpSp>
-      <p:grpSp>
-        <p:nvGrpSpPr>
-          <p:cNvPr id="8" name="Group 7"/>
-          <p:cNvGrpSpPr/>
+      <p:sp>
+        <p:nvSpPr>
+          <p:cNvPr id="71" name="TextBox 70"/>
+          <p:cNvSpPr txBox="1"/>
           <p:nvPr/>
-        </p:nvGrpSpPr>
-        <p:grpSpPr>
+        </p:nvSpPr>
+        <p:spPr>
           <a:xfrm>
             <a:off x="27128494" y="5122803"/>
-            <a:ext cx="16231593" cy="6632992"/>
-            <a:chOff x="27128494" y="5122803"/>
-            <a:chExt cx="16231593" cy="6632992"/>
+            <a:ext cx="16231593" cy="1000492"/>
           </a:xfrm>
-        </p:grpSpPr>
-        <p:sp>
-          <p:nvSpPr>
-            <p:cNvPr id="71" name="TextBox 70"/>
-            <p:cNvSpPr txBox="1"/>
-            <p:nvPr/>
-          </p:nvSpPr>
-          <p:spPr>
-            <a:xfrm>
-              <a:off x="27128494" y="5122803"/>
-              <a:ext cx="16231593" cy="1000492"/>
-            </a:xfrm>
-            <a:prstGeom prst="rect">
-              <a:avLst/>
-            </a:prstGeom>
+          <a:prstGeom prst="rect">
+            <a:avLst/>
+          </a:prstGeom>
+          <a:solidFill>
+            <a:srgbClr val="000061"/>
+          </a:solidFill>
+          <a:ln>
             <a:solidFill>
               <a:srgbClr val="000061"/>
             </a:solidFill>
-            <a:ln>
-              <a:solidFill>
-                <a:srgbClr val="000061"/>
-              </a:solidFill>
-            </a:ln>
-          </p:spPr>
-          <p:txBody>
-            <a:bodyPr wrap="square" rtlCol="0">
-              <a:normAutofit/>
-            </a:bodyPr>
-            <a:lstStyle/>
-            <a:p>
-              <a:pPr marL="685800" indent="-685800">
-                <a:buFont typeface="Wingdings" panose="05000000000000000000" pitchFamily="2" charset="2"/>
-                <a:buChar char="Ø"/>
-              </a:pPr>
-              <a:r>
-                <a:rPr lang="en-US" sz="5400" b="1" dirty="0" smtClean="0">
-                  <a:solidFill>
-                    <a:schemeClr val="bg1"/>
-                  </a:solidFill>
-                  <a:latin typeface="Interstate" charset="0"/>
-                  <a:ea typeface="Interstate" charset="0"/>
-                  <a:cs typeface="Interstate" charset="0"/>
-                </a:rPr>
-                <a:t>Methods: ASIFT</a:t>
-              </a:r>
-              <a:endParaRPr lang="en-US" sz="5400" b="1" dirty="0">
+          </a:ln>
+        </p:spPr>
+        <p:txBody>
+          <a:bodyPr wrap="square" rtlCol="0">
+            <a:normAutofit/>
+          </a:bodyPr>
+          <a:lstStyle/>
+          <a:p>
+            <a:pPr marL="685800" indent="-685800">
+              <a:buFont typeface="Wingdings" panose="05000000000000000000" pitchFamily="2" charset="2"/>
+              <a:buChar char="Ø"/>
+            </a:pPr>
+            <a:r>
+              <a:rPr lang="en-US" sz="5400" b="1" dirty="0" smtClean="0">
                 <a:solidFill>
                   <a:schemeClr val="bg1"/>
                 </a:solidFill>
                 <a:latin typeface="Interstate" charset="0"/>
                 <a:ea typeface="Interstate" charset="0"/>
                 <a:cs typeface="Interstate" charset="0"/>
-              </a:endParaRPr>
-            </a:p>
-          </p:txBody>
-        </p:sp>
-        <p:sp>
-          <p:nvSpPr>
-            <p:cNvPr id="85" name="TextBox 84"/>
-            <p:cNvSpPr txBox="1"/>
-            <p:nvPr/>
-          </p:nvSpPr>
-          <p:spPr>
-            <a:xfrm>
-              <a:off x="34473262" y="6969708"/>
-              <a:ext cx="7232519" cy="3970318"/>
-            </a:xfrm>
-            <a:prstGeom prst="rect">
-              <a:avLst/>
-            </a:prstGeom>
-            <a:noFill/>
-          </p:spPr>
-          <p:txBody>
-            <a:bodyPr wrap="square" rtlCol="0">
-              <a:spAutoFit/>
-            </a:bodyPr>
-            <a:lstStyle/>
-            <a:p>
-              <a:pPr marL="457200" indent="-457200">
-                <a:buFont typeface="Arial" charset="0"/>
-                <a:buChar char="•"/>
-              </a:pPr>
-              <a:r>
-                <a:rPr lang="en-US" sz="2800" dirty="0" smtClean="0">
-                  <a:latin typeface="Interstate" charset="0"/>
-                  <a:ea typeface="Interstate" charset="0"/>
-                  <a:cs typeface="Interstate" charset="0"/>
-                </a:rPr>
-                <a:t>Model for 3D printing was designed including all cutouts for any connection necessary</a:t>
-              </a:r>
-            </a:p>
-            <a:p>
-              <a:pPr marL="457200" indent="-457200">
-                <a:buFont typeface="Arial" charset="0"/>
-                <a:buChar char="•"/>
-              </a:pPr>
-              <a:endParaRPr lang="en-US" sz="2800" dirty="0">
-                <a:latin typeface="Interstate" charset="0"/>
-                <a:ea typeface="Interstate" charset="0"/>
-                <a:cs typeface="Interstate" charset="0"/>
-              </a:endParaRPr>
-            </a:p>
-            <a:p>
-              <a:pPr marL="457200" indent="-457200">
-                <a:buFont typeface="Arial" charset="0"/>
-                <a:buChar char="•"/>
-              </a:pPr>
-              <a:r>
-                <a:rPr lang="en-US" sz="2800" dirty="0" smtClean="0">
-                  <a:latin typeface="Interstate" charset="0"/>
-                  <a:ea typeface="Interstate" charset="0"/>
-                  <a:cs typeface="Interstate" charset="0"/>
-                </a:rPr>
-                <a:t>A printed circuit board can be swapped depending on different protocol requirements</a:t>
-              </a:r>
-            </a:p>
-            <a:p>
-              <a:pPr marL="457200" indent="-457200">
-                <a:buFont typeface="Arial" charset="0"/>
-                <a:buChar char="•"/>
-              </a:pPr>
-              <a:endParaRPr lang="en-US" sz="2800" dirty="0">
-                <a:latin typeface="Interstate" charset="0"/>
-                <a:ea typeface="Interstate" charset="0"/>
-                <a:cs typeface="Interstate" charset="0"/>
-              </a:endParaRPr>
-            </a:p>
-            <a:p>
-              <a:pPr marL="457200" indent="-457200">
-                <a:buFont typeface="Arial" charset="0"/>
-                <a:buChar char="•"/>
-              </a:pPr>
-              <a:r>
-                <a:rPr lang="en-US" sz="2800" dirty="0" smtClean="0">
-                  <a:latin typeface="Interstate" charset="0"/>
-                  <a:ea typeface="Interstate" charset="0"/>
-                  <a:cs typeface="Interstate" charset="0"/>
-                </a:rPr>
-                <a:t>Each element requires minimal alteration to repurpose for different research questions.</a:t>
-              </a:r>
-            </a:p>
-          </p:txBody>
-        </p:sp>
-        <p:pic>
-          <p:nvPicPr>
-            <p:cNvPr id="257" name="Picture 256"/>
-            <p:cNvPicPr>
-              <a:picLocks noChangeAspect="1"/>
-            </p:cNvPicPr>
-            <p:nvPr/>
-          </p:nvPicPr>
-          <p:blipFill rotWithShape="1">
-            <a:blip r:embed="rId7">
-              <a:extLst>
-                <a:ext uri="{28A0092B-C50C-407E-A947-70E740481C1C}">
-                  <a14:useLocalDpi xmlns:a14="http://schemas.microsoft.com/office/drawing/2010/main"/>
-                </a:ext>
-              </a:extLst>
-            </a:blip>
-            <a:srcRect r="6159"/>
-            <a:stretch/>
-          </p:blipFill>
-          <p:spPr>
-            <a:xfrm flipH="1">
-              <a:off x="27232319" y="8256967"/>
-              <a:ext cx="4146301" cy="3498828"/>
-            </a:xfrm>
-            <a:prstGeom prst="rect">
-              <a:avLst/>
-            </a:prstGeom>
-          </p:spPr>
-        </p:pic>
-        <p:pic>
-          <p:nvPicPr>
-            <p:cNvPr id="111" name="Picture 110"/>
-            <p:cNvPicPr>
-              <a:picLocks noChangeAspect="1"/>
-            </p:cNvPicPr>
-            <p:nvPr/>
-          </p:nvPicPr>
-          <p:blipFill>
-            <a:blip r:embed="rId8">
-              <a:extLst>
-                <a:ext uri="{28A0092B-C50C-407E-A947-70E740481C1C}">
-                  <a14:useLocalDpi xmlns:a14="http://schemas.microsoft.com/office/drawing/2010/main"/>
-                </a:ext>
-              </a:extLst>
-            </a:blip>
-            <a:stretch>
-              <a:fillRect/>
-            </a:stretch>
-          </p:blipFill>
-          <p:spPr>
-            <a:xfrm>
-              <a:off x="29780288" y="6295241"/>
-              <a:ext cx="3649847" cy="3736749"/>
-            </a:xfrm>
-            <a:prstGeom prst="rect">
-              <a:avLst/>
-            </a:prstGeom>
-          </p:spPr>
-        </p:pic>
-      </p:grpSp>
-      <p:sp>
-        <p:nvSpPr>
-          <p:cNvPr id="24" name="Freeform 23"/>
-          <p:cNvSpPr/>
-          <p:nvPr/>
-        </p:nvSpPr>
-        <p:spPr>
-          <a:xfrm>
-            <a:off x="28123482" y="7077456"/>
-            <a:ext cx="1612806" cy="1737360"/>
-          </a:xfrm>
-          <a:custGeom>
-            <a:avLst/>
-            <a:gdLst>
-              <a:gd name="connsiteX0" fmla="*/ 1612806 w 1612806"/>
-              <a:gd name="connsiteY0" fmla="*/ 0 h 1737360"/>
-              <a:gd name="connsiteX1" fmla="*/ 113190 w 1612806"/>
-              <a:gd name="connsiteY1" fmla="*/ 420624 h 1737360"/>
-              <a:gd name="connsiteX2" fmla="*/ 149766 w 1612806"/>
-              <a:gd name="connsiteY2" fmla="*/ 1737360 h 1737360"/>
-            </a:gdLst>
-            <a:ahLst/>
-            <a:cxnLst>
-              <a:cxn ang="0">
-                <a:pos x="connsiteX0" y="connsiteY0"/>
-              </a:cxn>
-              <a:cxn ang="0">
-                <a:pos x="connsiteX1" y="connsiteY1"/>
-              </a:cxn>
-              <a:cxn ang="0">
-                <a:pos x="connsiteX2" y="connsiteY2"/>
-              </a:cxn>
-            </a:cxnLst>
-            <a:rect l="l" t="t" r="r" b="b"/>
-            <a:pathLst>
-              <a:path w="1612806" h="1737360">
-                <a:moveTo>
-                  <a:pt x="1612806" y="0"/>
-                </a:moveTo>
-                <a:cubicBezTo>
-                  <a:pt x="984918" y="65532"/>
-                  <a:pt x="357030" y="131064"/>
-                  <a:pt x="113190" y="420624"/>
-                </a:cubicBezTo>
-                <a:cubicBezTo>
-                  <a:pt x="-130650" y="710184"/>
-                  <a:pt x="85758" y="1551432"/>
-                  <a:pt x="149766" y="1737360"/>
-                </a:cubicBezTo>
-              </a:path>
-            </a:pathLst>
-          </a:custGeom>
-          <a:noFill/>
-          <a:ln w="63500">
-            <a:tailEnd type="triangle" w="lg" len="lg"/>
-          </a:ln>
-        </p:spPr>
-        <p:style>
-          <a:lnRef idx="2">
-            <a:schemeClr val="accent1">
-              <a:shade val="50000"/>
-            </a:schemeClr>
-          </a:lnRef>
-          <a:fillRef idx="1">
-            <a:schemeClr val="accent1"/>
-          </a:fillRef>
-          <a:effectRef idx="0">
-            <a:schemeClr val="accent1"/>
-          </a:effectRef>
-          <a:fontRef idx="minor">
-            <a:schemeClr val="lt1"/>
-          </a:fontRef>
-        </p:style>
-        <p:txBody>
-          <a:bodyPr rtlCol="0" anchor="ctr"/>
-          <a:lstStyle/>
-          <a:p>
-            <a:pPr algn="ctr"/>
-            <a:endParaRPr lang="en-US"/>
+              </a:rPr>
+              <a:t>Methods: ASIFT</a:t>
+            </a:r>
+            <a:endParaRPr lang="en-US" sz="5400" b="1" dirty="0">
+              <a:solidFill>
+                <a:schemeClr val="bg1"/>
+              </a:solidFill>
+              <a:latin typeface="Interstate" charset="0"/>
+              <a:ea typeface="Interstate" charset="0"/>
+              <a:cs typeface="Interstate" charset="0"/>
+            </a:endParaRPr>
           </a:p>
         </p:txBody>
       </p:sp>
@@ -7147,7 +6898,7 @@
           <p:nvPr/>
         </p:nvPicPr>
         <p:blipFill>
-          <a:blip r:embed="rId9">
+          <a:blip r:embed="rId7">
             <a:extLst>
               <a:ext uri="{28A0092B-C50C-407E-A947-70E740481C1C}">
                 <a14:useLocalDpi xmlns:a14="http://schemas.microsoft.com/office/drawing/2010/main"/>
@@ -7168,6 +6919,1099 @@
           </a:prstGeom>
         </p:spPr>
       </p:pic>
+      <p:pic>
+        <p:nvPicPr>
+          <p:cNvPr id="3" name="Picture 2"/>
+          <p:cNvPicPr>
+            <a:picLocks noChangeAspect="1"/>
+          </p:cNvPicPr>
+          <p:nvPr/>
+        </p:nvPicPr>
+        <p:blipFill>
+          <a:blip r:embed="rId8">
+            <a:extLst>
+              <a:ext uri="{28A0092B-C50C-407E-A947-70E740481C1C}">
+                <a14:useLocalDpi xmlns:a14="http://schemas.microsoft.com/office/drawing/2010/main" val="0"/>
+              </a:ext>
+            </a:extLst>
+          </a:blip>
+          <a:stretch>
+            <a:fillRect/>
+          </a:stretch>
+        </p:blipFill>
+        <p:spPr>
+          <a:xfrm>
+            <a:off x="35410188" y="6445750"/>
+            <a:ext cx="7892770" cy="9557650"/>
+          </a:xfrm>
+          <a:prstGeom prst="rect">
+            <a:avLst/>
+          </a:prstGeom>
+        </p:spPr>
+      </p:pic>
+      <p:sp>
+        <p:nvSpPr>
+          <p:cNvPr id="87" name="TextBox 86"/>
+          <p:cNvSpPr txBox="1"/>
+          <p:nvPr/>
+        </p:nvSpPr>
+        <p:spPr>
+          <a:xfrm>
+            <a:off x="26884840" y="6660632"/>
+            <a:ext cx="7582210" cy="3970318"/>
+          </a:xfrm>
+          <a:prstGeom prst="rect">
+            <a:avLst/>
+          </a:prstGeom>
+          <a:noFill/>
+        </p:spPr>
+        <p:txBody>
+          <a:bodyPr wrap="square" rtlCol="0">
+            <a:spAutoFit/>
+          </a:bodyPr>
+          <a:lstStyle/>
+          <a:p>
+            <a:pPr marL="457200" indent="-457200">
+              <a:buFont typeface="Arial" charset="0"/>
+              <a:buChar char="•"/>
+            </a:pPr>
+            <a:r>
+              <a:rPr lang="en-US" sz="2800" dirty="0" smtClean="0">
+                <a:latin typeface="Interstate" charset="0"/>
+                <a:ea typeface="Interstate" charset="0"/>
+                <a:cs typeface="Interstate" charset="0"/>
+              </a:rPr>
+              <a:t>Scale Invariant Feature-Transform is a good algorithm to detect if a feature like a logo is present in an image.</a:t>
+            </a:r>
+          </a:p>
+          <a:p>
+            <a:pPr marL="457200" indent="-457200">
+              <a:buFont typeface="Arial" charset="0"/>
+              <a:buChar char="•"/>
+            </a:pPr>
+            <a:r>
+              <a:rPr lang="en-US" sz="2800" dirty="0" smtClean="0">
+                <a:latin typeface="Interstate" charset="0"/>
+                <a:ea typeface="Interstate" charset="0"/>
+                <a:cs typeface="Interstate" charset="0"/>
+              </a:rPr>
+              <a:t>Affine SIFT or ASIFT is used instead because SIFT is limited to features with the same orientation as the original image.</a:t>
+            </a:r>
+          </a:p>
+          <a:p>
+            <a:pPr marL="457200" indent="-457200">
+              <a:buFont typeface="Arial" charset="0"/>
+              <a:buChar char="•"/>
+            </a:pPr>
+            <a:r>
+              <a:rPr lang="en-US" sz="2800" dirty="0" smtClean="0">
+                <a:latin typeface="Interstate" charset="0"/>
+                <a:ea typeface="Interstate" charset="0"/>
+                <a:cs typeface="Interstate" charset="0"/>
+              </a:rPr>
+              <a:t>ASIFT performance drastically drops when the image quality drops, and improves when the image region of interest is isolated.</a:t>
+            </a:r>
+          </a:p>
+        </p:txBody>
+      </p:sp>
+      <p:sp>
+        <p:nvSpPr>
+          <p:cNvPr id="88" name="TextBox 87"/>
+          <p:cNvSpPr txBox="1"/>
+          <p:nvPr/>
+        </p:nvSpPr>
+        <p:spPr>
+          <a:xfrm>
+            <a:off x="27166403" y="11370306"/>
+            <a:ext cx="6884257" cy="5262979"/>
+          </a:xfrm>
+          <a:prstGeom prst="rect">
+            <a:avLst/>
+          </a:prstGeom>
+          <a:noFill/>
+        </p:spPr>
+        <p:txBody>
+          <a:bodyPr wrap="square" rtlCol="0">
+            <a:spAutoFit/>
+          </a:bodyPr>
+          <a:lstStyle/>
+          <a:p>
+            <a:pPr marL="514350" indent="-514350">
+              <a:buFont typeface="+mj-lt"/>
+              <a:buAutoNum type="alphaLcParenR"/>
+            </a:pPr>
+            <a:r>
+              <a:rPr lang="en-US" sz="2800" dirty="0"/>
+              <a:t>C</a:t>
+            </a:r>
+            <a:r>
+              <a:rPr lang="en-US" sz="2800" dirty="0" smtClean="0"/>
+              <a:t>ustom </a:t>
+            </a:r>
+            <a:r>
+              <a:rPr lang="en-US" sz="2800" dirty="0"/>
+              <a:t>affine </a:t>
+            </a:r>
+            <a:r>
+              <a:rPr lang="en-US" sz="2800" dirty="0" smtClean="0"/>
+              <a:t>anisotropic </a:t>
+            </a:r>
+            <a:r>
+              <a:rPr lang="en-US" sz="2800" dirty="0"/>
+              <a:t>filter</a:t>
+            </a:r>
+          </a:p>
+          <a:p>
+            <a:pPr marL="514350" indent="-514350">
+              <a:buFont typeface="+mj-lt"/>
+              <a:buAutoNum type="alphaLcParenR"/>
+            </a:pPr>
+            <a:r>
+              <a:rPr lang="en-US" sz="2800" dirty="0"/>
+              <a:t>G</a:t>
+            </a:r>
+            <a:r>
+              <a:rPr lang="en-US" sz="2800" dirty="0" smtClean="0"/>
+              <a:t>radient </a:t>
+            </a:r>
+            <a:r>
+              <a:rPr lang="en-US" sz="2800" dirty="0"/>
+              <a:t>multiplied filter</a:t>
+            </a:r>
+          </a:p>
+          <a:p>
+            <a:pPr marL="514350" indent="-514350">
+              <a:buFont typeface="+mj-lt"/>
+              <a:buAutoNum type="alphaLcParenR"/>
+            </a:pPr>
+            <a:r>
+              <a:rPr lang="en-US" sz="2800" dirty="0" smtClean="0"/>
+              <a:t>Gaussian </a:t>
+            </a:r>
+            <a:r>
+              <a:rPr lang="en-US" sz="2800" dirty="0"/>
+              <a:t>deconvolution</a:t>
+            </a:r>
+          </a:p>
+          <a:p>
+            <a:pPr marL="514350" indent="-514350">
+              <a:buFont typeface="+mj-lt"/>
+              <a:buAutoNum type="alphaLcParenR"/>
+            </a:pPr>
+            <a:r>
+              <a:rPr lang="en-US" sz="2800" dirty="0" smtClean="0"/>
+              <a:t>Directional </a:t>
+            </a:r>
+            <a:r>
+              <a:rPr lang="en-US" sz="2800" dirty="0"/>
+              <a:t>gradient weighted average </a:t>
+            </a:r>
+            <a:r>
+              <a:rPr lang="en-US" sz="2800" dirty="0"/>
+              <a:t>F</a:t>
+            </a:r>
+            <a:r>
+              <a:rPr lang="en-US" sz="2800" dirty="0" smtClean="0"/>
+              <a:t>ilter</a:t>
+            </a:r>
+            <a:endParaRPr lang="en-US" sz="2800" dirty="0"/>
+          </a:p>
+          <a:p>
+            <a:pPr marL="514350" indent="-514350">
+              <a:buFont typeface="+mj-lt"/>
+              <a:buAutoNum type="alphaLcParenR"/>
+            </a:pPr>
+            <a:r>
+              <a:rPr lang="en-US" sz="2800" dirty="0"/>
+              <a:t>N</a:t>
+            </a:r>
+            <a:r>
+              <a:rPr lang="en-US" sz="2800" dirty="0" smtClean="0"/>
+              <a:t>on-equalized </a:t>
+            </a:r>
+            <a:r>
+              <a:rPr lang="en-US" sz="2800" dirty="0"/>
+              <a:t>median filter</a:t>
+            </a:r>
+          </a:p>
+          <a:p>
+            <a:pPr marL="514350" indent="-514350">
+              <a:buFont typeface="+mj-lt"/>
+              <a:buAutoNum type="alphaLcParenR"/>
+            </a:pPr>
+            <a:r>
+              <a:rPr lang="en-US" sz="2800" dirty="0"/>
+              <a:t>C</a:t>
+            </a:r>
+            <a:r>
+              <a:rPr lang="en-US" sz="2800" dirty="0" smtClean="0"/>
+              <a:t>olor </a:t>
+            </a:r>
+            <a:r>
+              <a:rPr lang="en-US" sz="2800" dirty="0"/>
+              <a:t>contour averaging</a:t>
+            </a:r>
+          </a:p>
+          <a:p>
+            <a:pPr marL="514350" indent="-514350">
+              <a:buFont typeface="+mj-lt"/>
+              <a:buAutoNum type="alphaLcParenR"/>
+            </a:pPr>
+            <a:r>
+              <a:rPr lang="en-US" sz="2800" dirty="0"/>
+              <a:t>Non-equalized </a:t>
+            </a:r>
+            <a:r>
+              <a:rPr lang="en-US" sz="2800" dirty="0" smtClean="0"/>
+              <a:t>Inverse </a:t>
+            </a:r>
+            <a:r>
+              <a:rPr lang="en-US" sz="2800" dirty="0"/>
+              <a:t>gradient dependent median filter</a:t>
+            </a:r>
+          </a:p>
+          <a:p>
+            <a:pPr marL="514350" indent="-514350">
+              <a:buFont typeface="+mj-lt"/>
+              <a:buAutoNum type="alphaLcParenR"/>
+            </a:pPr>
+            <a:r>
+              <a:rPr lang="en-US" sz="2800" dirty="0" smtClean="0"/>
+              <a:t>Reference trained sparse </a:t>
+            </a:r>
+            <a:r>
+              <a:rPr lang="en-US" sz="2800" dirty="0"/>
+              <a:t>encoding</a:t>
+            </a:r>
+          </a:p>
+          <a:p>
+            <a:pPr marL="514350" indent="-514350">
+              <a:buFont typeface="+mj-lt"/>
+              <a:buAutoNum type="alphaLcParenR"/>
+            </a:pPr>
+            <a:r>
+              <a:rPr lang="en-US" sz="2800" dirty="0"/>
+              <a:t>E</a:t>
+            </a:r>
+            <a:r>
+              <a:rPr lang="en-US" sz="2800" dirty="0" smtClean="0"/>
+              <a:t>qualized </a:t>
+            </a:r>
+            <a:r>
+              <a:rPr lang="en-US" sz="2800" dirty="0"/>
+              <a:t>median filter</a:t>
+            </a:r>
+          </a:p>
+          <a:p>
+            <a:pPr marL="514350" indent="-514350">
+              <a:buFont typeface="+mj-lt"/>
+              <a:buAutoNum type="alphaLcParenR"/>
+            </a:pPr>
+            <a:endParaRPr lang="en-US" sz="2800" dirty="0" smtClean="0">
+              <a:latin typeface="Interstate" charset="0"/>
+              <a:ea typeface="Interstate" charset="0"/>
+              <a:cs typeface="Interstate" charset="0"/>
+            </a:endParaRPr>
+          </a:p>
+        </p:txBody>
+      </p:sp>
+      <p:sp>
+        <p:nvSpPr>
+          <p:cNvPr id="92" name="TextBox 91"/>
+          <p:cNvSpPr txBox="1"/>
+          <p:nvPr/>
+        </p:nvSpPr>
+        <p:spPr>
+          <a:xfrm flipH="1">
+            <a:off x="27183968" y="10571359"/>
+            <a:ext cx="11793288" cy="707886"/>
+          </a:xfrm>
+          <a:prstGeom prst="rect">
+            <a:avLst/>
+          </a:prstGeom>
+          <a:noFill/>
+        </p:spPr>
+        <p:txBody>
+          <a:bodyPr wrap="square" rtlCol="0">
+            <a:spAutoFit/>
+          </a:bodyPr>
+          <a:lstStyle/>
+          <a:p>
+            <a:r>
+              <a:rPr lang="en-US" sz="4000" b="1" i="1" u="sng" dirty="0" smtClean="0">
+                <a:latin typeface="Interstate" charset="0"/>
+                <a:ea typeface="Interstate" charset="0"/>
+                <a:cs typeface="Interstate" charset="0"/>
+              </a:rPr>
+              <a:t>Enhancing Algorithms Used</a:t>
+            </a:r>
+            <a:endParaRPr lang="en-US" sz="4000" b="1" i="1" u="sng" dirty="0">
+              <a:latin typeface="Interstate" charset="0"/>
+              <a:ea typeface="Interstate" charset="0"/>
+              <a:cs typeface="Interstate" charset="0"/>
+            </a:endParaRPr>
+          </a:p>
+        </p:txBody>
+      </p:sp>
+      <p:sp>
+        <p:nvSpPr>
+          <p:cNvPr id="93" name="TextBox 92"/>
+          <p:cNvSpPr txBox="1"/>
+          <p:nvPr/>
+        </p:nvSpPr>
+        <p:spPr>
+          <a:xfrm>
+            <a:off x="34725172" y="6445750"/>
+            <a:ext cx="5456736" cy="1384995"/>
+          </a:xfrm>
+          <a:prstGeom prst="rect">
+            <a:avLst/>
+          </a:prstGeom>
+          <a:noFill/>
+        </p:spPr>
+        <p:txBody>
+          <a:bodyPr wrap="square" rtlCol="0">
+            <a:spAutoFit/>
+          </a:bodyPr>
+          <a:lstStyle/>
+          <a:p>
+            <a:pPr marL="457200" indent="-457200">
+              <a:buFont typeface="Arial" charset="0"/>
+              <a:buChar char="•"/>
+            </a:pPr>
+            <a:r>
+              <a:rPr lang="en-US" sz="2800" dirty="0" smtClean="0">
+                <a:latin typeface="Interstate" charset="0"/>
+                <a:ea typeface="Interstate" charset="0"/>
+                <a:cs typeface="Interstate" charset="0"/>
+              </a:rPr>
+              <a:t>The reference image tested on is a good quality image of a Coca Cola can.</a:t>
+            </a:r>
+            <a:endParaRPr lang="en-US" sz="2800" i="1" dirty="0">
+              <a:latin typeface="Interstate" charset="0"/>
+              <a:ea typeface="Interstate" charset="0"/>
+              <a:cs typeface="Interstate" charset="0"/>
+            </a:endParaRPr>
+          </a:p>
+        </p:txBody>
+      </p:sp>
+      <p:sp>
+        <p:nvSpPr>
+          <p:cNvPr id="102" name="TextBox 101"/>
+          <p:cNvSpPr txBox="1"/>
+          <p:nvPr/>
+        </p:nvSpPr>
+        <p:spPr>
+          <a:xfrm>
+            <a:off x="34725172" y="7956100"/>
+            <a:ext cx="3366679" cy="3108543"/>
+          </a:xfrm>
+          <a:prstGeom prst="rect">
+            <a:avLst/>
+          </a:prstGeom>
+          <a:noFill/>
+        </p:spPr>
+        <p:txBody>
+          <a:bodyPr wrap="square" rtlCol="0">
+            <a:spAutoFit/>
+          </a:bodyPr>
+          <a:lstStyle/>
+          <a:p>
+            <a:pPr marL="457200" indent="-457200">
+              <a:buFont typeface="Arial" charset="0"/>
+              <a:buChar char="•"/>
+            </a:pPr>
+            <a:r>
+              <a:rPr lang="en-US" sz="2800" dirty="0">
+                <a:latin typeface="Interstate" charset="0"/>
+                <a:ea typeface="Interstate" charset="0"/>
+                <a:cs typeface="Interstate" charset="0"/>
+              </a:rPr>
+              <a:t>The test image is a scene from a TV show featuring a similar can, and a third image zooms in the can featured in this scene.</a:t>
+            </a:r>
+          </a:p>
+        </p:txBody>
+      </p:sp>
+      <p:pic>
+        <p:nvPicPr>
+          <p:cNvPr id="18" name="Picture 17"/>
+          <p:cNvPicPr>
+            <a:picLocks noChangeAspect="1"/>
+          </p:cNvPicPr>
+          <p:nvPr/>
+        </p:nvPicPr>
+        <p:blipFill>
+          <a:blip r:embed="rId9">
+            <a:extLst>
+              <a:ext uri="{28A0092B-C50C-407E-A947-70E740481C1C}">
+                <a14:useLocalDpi xmlns:a14="http://schemas.microsoft.com/office/drawing/2010/main" val="0"/>
+              </a:ext>
+            </a:extLst>
+          </a:blip>
+          <a:stretch>
+            <a:fillRect/>
+          </a:stretch>
+        </p:blipFill>
+        <p:spPr>
+          <a:xfrm>
+            <a:off x="26719378" y="22997467"/>
+            <a:ext cx="13538616" cy="9025744"/>
+          </a:xfrm>
+          <a:prstGeom prst="rect">
+            <a:avLst/>
+          </a:prstGeom>
+        </p:spPr>
+      </p:pic>
+      <p:pic>
+        <p:nvPicPr>
+          <p:cNvPr id="2" name="Picture 1"/>
+          <p:cNvPicPr>
+            <a:picLocks noChangeAspect="1"/>
+          </p:cNvPicPr>
+          <p:nvPr/>
+        </p:nvPicPr>
+        <p:blipFill>
+          <a:blip r:embed="rId10">
+            <a:extLst>
+              <a:ext uri="{28A0092B-C50C-407E-A947-70E740481C1C}">
+                <a14:useLocalDpi xmlns:a14="http://schemas.microsoft.com/office/drawing/2010/main" val="0"/>
+              </a:ext>
+            </a:extLst>
+          </a:blip>
+          <a:stretch>
+            <a:fillRect/>
+          </a:stretch>
+        </p:blipFill>
+        <p:spPr>
+          <a:xfrm>
+            <a:off x="35482673" y="17631748"/>
+            <a:ext cx="7810095" cy="7810095"/>
+          </a:xfrm>
+          <a:prstGeom prst="rect">
+            <a:avLst/>
+          </a:prstGeom>
+        </p:spPr>
+      </p:pic>
+      <p:cxnSp>
+        <p:nvCxnSpPr>
+          <p:cNvPr id="20" name="Straight Arrow Connector 19"/>
+          <p:cNvCxnSpPr/>
+          <p:nvPr/>
+        </p:nvCxnSpPr>
+        <p:spPr>
+          <a:xfrm flipV="1">
+            <a:off x="32009502" y="24370186"/>
+            <a:ext cx="0" cy="2205318"/>
+          </a:xfrm>
+          <a:prstGeom prst="straightConnector1">
+            <a:avLst/>
+          </a:prstGeom>
+          <a:ln>
+            <a:solidFill>
+              <a:schemeClr val="dk1"/>
+            </a:solidFill>
+            <a:tailEnd type="triangle" w="lg" len="lg"/>
+          </a:ln>
+        </p:spPr>
+        <p:style>
+          <a:lnRef idx="1">
+            <a:schemeClr val="dk1"/>
+          </a:lnRef>
+          <a:fillRef idx="0">
+            <a:schemeClr val="dk1"/>
+          </a:fillRef>
+          <a:effectRef idx="0">
+            <a:schemeClr val="dk1"/>
+          </a:effectRef>
+          <a:fontRef idx="minor">
+            <a:schemeClr val="tx1"/>
+          </a:fontRef>
+        </p:style>
+      </p:cxnSp>
+      <p:cxnSp>
+        <p:nvCxnSpPr>
+          <p:cNvPr id="109" name="Straight Arrow Connector 108"/>
+          <p:cNvCxnSpPr/>
+          <p:nvPr/>
+        </p:nvCxnSpPr>
+        <p:spPr>
+          <a:xfrm flipV="1">
+            <a:off x="31889186" y="28282020"/>
+            <a:ext cx="0" cy="2205318"/>
+          </a:xfrm>
+          <a:prstGeom prst="straightConnector1">
+            <a:avLst/>
+          </a:prstGeom>
+          <a:ln>
+            <a:solidFill>
+              <a:schemeClr val="dk1"/>
+            </a:solidFill>
+            <a:tailEnd type="triangle" w="lg" len="lg"/>
+          </a:ln>
+        </p:spPr>
+        <p:style>
+          <a:lnRef idx="1">
+            <a:schemeClr val="dk1"/>
+          </a:lnRef>
+          <a:fillRef idx="0">
+            <a:schemeClr val="dk1"/>
+          </a:fillRef>
+          <a:effectRef idx="0">
+            <a:schemeClr val="dk1"/>
+          </a:effectRef>
+          <a:fontRef idx="minor">
+            <a:schemeClr val="tx1"/>
+          </a:fontRef>
+        </p:style>
+      </p:cxnSp>
+      <p:sp>
+        <p:nvSpPr>
+          <p:cNvPr id="21" name="Rectangle 20"/>
+          <p:cNvSpPr/>
+          <p:nvPr/>
+        </p:nvSpPr>
+        <p:spPr>
+          <a:xfrm>
+            <a:off x="31266935" y="23846966"/>
+            <a:ext cx="1658659" cy="523220"/>
+          </a:xfrm>
+          <a:prstGeom prst="rect">
+            <a:avLst/>
+          </a:prstGeom>
+        </p:spPr>
+        <p:txBody>
+          <a:bodyPr wrap="none">
+            <a:spAutoFit/>
+          </a:bodyPr>
+          <a:lstStyle/>
+          <a:p>
+            <a:pPr marL="514350" marR="0" lvl="0" indent="-514350" defTabSz="914400" eaLnBrk="1" fontAlgn="auto" latinLnBrk="0" hangingPunct="1">
+              <a:lnSpc>
+                <a:spcPct val="100000"/>
+              </a:lnSpc>
+              <a:spcBef>
+                <a:spcPts val="0"/>
+              </a:spcBef>
+              <a:spcAft>
+                <a:spcPts val="0"/>
+              </a:spcAft>
+              <a:buClrTx/>
+              <a:buSzTx/>
+              <a:buFont typeface="+mj-lt"/>
+              <a:buNone/>
+              <a:tabLst/>
+              <a:defRPr/>
+            </a:pPr>
+            <a:r>
+              <a:rPr lang="en-US" sz="2800" smtClean="0"/>
+              <a:t>Improving</a:t>
+            </a:r>
+            <a:endParaRPr lang="en-US" sz="2800" dirty="0"/>
+          </a:p>
+        </p:txBody>
+      </p:sp>
+      <p:sp>
+        <p:nvSpPr>
+          <p:cNvPr id="110" name="Rectangle 109"/>
+          <p:cNvSpPr/>
+          <p:nvPr/>
+        </p:nvSpPr>
+        <p:spPr>
+          <a:xfrm>
+            <a:off x="31137308" y="27673478"/>
+            <a:ext cx="1744388" cy="523220"/>
+          </a:xfrm>
+          <a:prstGeom prst="rect">
+            <a:avLst/>
+          </a:prstGeom>
+        </p:spPr>
+        <p:txBody>
+          <a:bodyPr wrap="none">
+            <a:spAutoFit/>
+          </a:bodyPr>
+          <a:lstStyle/>
+          <a:p>
+            <a:pPr marL="514350" marR="0" lvl="0" indent="-514350" defTabSz="914400" eaLnBrk="1" fontAlgn="auto" latinLnBrk="0" hangingPunct="1">
+              <a:lnSpc>
+                <a:spcPct val="100000"/>
+              </a:lnSpc>
+              <a:spcBef>
+                <a:spcPts val="0"/>
+              </a:spcBef>
+              <a:spcAft>
+                <a:spcPts val="0"/>
+              </a:spcAft>
+              <a:buClrTx/>
+              <a:buSzTx/>
+              <a:buFont typeface="+mj-lt"/>
+              <a:buNone/>
+              <a:tabLst/>
+              <a:defRPr/>
+            </a:pPr>
+            <a:r>
+              <a:rPr lang="en-US" sz="2800" smtClean="0"/>
+              <a:t>Worsening</a:t>
+            </a:r>
+            <a:endParaRPr lang="en-US" sz="2800" dirty="0"/>
+          </a:p>
+        </p:txBody>
+      </p:sp>
+      <p:sp>
+        <p:nvSpPr>
+          <p:cNvPr id="112" name="TextBox 111"/>
+          <p:cNvSpPr txBox="1"/>
+          <p:nvPr/>
+        </p:nvSpPr>
+        <p:spPr>
+          <a:xfrm>
+            <a:off x="38977256" y="25921084"/>
+            <a:ext cx="4315512" cy="2246769"/>
+          </a:xfrm>
+          <a:prstGeom prst="rect">
+            <a:avLst/>
+          </a:prstGeom>
+          <a:noFill/>
+        </p:spPr>
+        <p:txBody>
+          <a:bodyPr wrap="square" rtlCol="0">
+            <a:spAutoFit/>
+          </a:bodyPr>
+          <a:lstStyle/>
+          <a:p>
+            <a:pPr marL="30163" marR="0" lvl="0" indent="-30163" defTabSz="914400" eaLnBrk="1" fontAlgn="auto" latinLnBrk="0" hangingPunct="1">
+              <a:lnSpc>
+                <a:spcPct val="100000"/>
+              </a:lnSpc>
+              <a:spcBef>
+                <a:spcPts val="0"/>
+              </a:spcBef>
+              <a:spcAft>
+                <a:spcPts val="0"/>
+              </a:spcAft>
+              <a:buClrTx/>
+              <a:buSzTx/>
+              <a:buFont typeface="Arial" charset="0"/>
+              <a:buNone/>
+              <a:defRPr/>
+            </a:pPr>
+            <a:r>
+              <a:rPr lang="en-US" sz="2800" dirty="0" smtClean="0">
+                <a:latin typeface="Interstate" charset="0"/>
+                <a:ea typeface="Interstate" charset="0"/>
+                <a:cs typeface="Interstate" charset="0"/>
+              </a:rPr>
+              <a:t>Although very computationally costly, the trained sparse encoder performed the best at improving detection.</a:t>
+            </a:r>
+            <a:endParaRPr lang="en-US" sz="2800" dirty="0">
+              <a:latin typeface="Interstate" charset="0"/>
+              <a:ea typeface="Interstate" charset="0"/>
+              <a:cs typeface="Interstate" charset="0"/>
+            </a:endParaRPr>
+          </a:p>
+        </p:txBody>
+      </p:sp>
+      <p:sp>
+        <p:nvSpPr>
+          <p:cNvPr id="113" name="TextBox 112"/>
+          <p:cNvSpPr txBox="1"/>
+          <p:nvPr/>
+        </p:nvSpPr>
+        <p:spPr>
+          <a:xfrm>
+            <a:off x="38977256" y="28338497"/>
+            <a:ext cx="4382831" cy="2246769"/>
+          </a:xfrm>
+          <a:prstGeom prst="rect">
+            <a:avLst/>
+          </a:prstGeom>
+          <a:noFill/>
+        </p:spPr>
+        <p:txBody>
+          <a:bodyPr wrap="square" rtlCol="0">
+            <a:spAutoFit/>
+          </a:bodyPr>
+          <a:lstStyle/>
+          <a:p>
+            <a:pPr marL="30163" marR="0" lvl="0" indent="-30163" defTabSz="914400" eaLnBrk="1" fontAlgn="auto" latinLnBrk="0" hangingPunct="1">
+              <a:lnSpc>
+                <a:spcPct val="100000"/>
+              </a:lnSpc>
+              <a:spcBef>
+                <a:spcPts val="0"/>
+              </a:spcBef>
+              <a:spcAft>
+                <a:spcPts val="0"/>
+              </a:spcAft>
+              <a:buClrTx/>
+              <a:buSzTx/>
+              <a:buFont typeface="Arial" charset="0"/>
+              <a:buNone/>
+              <a:defRPr/>
+            </a:pPr>
+            <a:r>
+              <a:rPr lang="en-US" sz="2800" dirty="0" smtClean="0">
+                <a:latin typeface="Interstate" charset="0"/>
+                <a:ea typeface="Interstate" charset="0"/>
+                <a:cs typeface="Interstate" charset="0"/>
+              </a:rPr>
+              <a:t>However ASIFT did not find any significant matches in the test image, meaning the improvements were still unsuccessful</a:t>
+            </a:r>
+            <a:endParaRPr lang="en-US" sz="2800" dirty="0">
+              <a:latin typeface="Interstate" charset="0"/>
+              <a:ea typeface="Interstate" charset="0"/>
+              <a:cs typeface="Interstate" charset="0"/>
+            </a:endParaRPr>
+          </a:p>
+        </p:txBody>
+      </p:sp>
+      <p:sp>
+        <p:nvSpPr>
+          <p:cNvPr id="114" name="TextBox 113"/>
+          <p:cNvSpPr txBox="1"/>
+          <p:nvPr/>
+        </p:nvSpPr>
+        <p:spPr>
+          <a:xfrm>
+            <a:off x="35351061" y="27020690"/>
+            <a:ext cx="3085270" cy="1384995"/>
+          </a:xfrm>
+          <a:prstGeom prst="rect">
+            <a:avLst/>
+          </a:prstGeom>
+          <a:noFill/>
+        </p:spPr>
+        <p:txBody>
+          <a:bodyPr wrap="square" rtlCol="0">
+            <a:spAutoFit/>
+          </a:bodyPr>
+          <a:lstStyle/>
+          <a:p>
+            <a:pPr marL="30163" marR="0" lvl="0" indent="-30163" algn="ctr" defTabSz="914400" eaLnBrk="1" fontAlgn="auto" latinLnBrk="0" hangingPunct="1">
+              <a:lnSpc>
+                <a:spcPct val="100000"/>
+              </a:lnSpc>
+              <a:spcBef>
+                <a:spcPts val="0"/>
+              </a:spcBef>
+              <a:spcAft>
+                <a:spcPts val="0"/>
+              </a:spcAft>
+              <a:buClrTx/>
+              <a:buSzTx/>
+              <a:buFont typeface="Arial" charset="0"/>
+              <a:buNone/>
+              <a:defRPr/>
+            </a:pPr>
+            <a:r>
+              <a:rPr lang="en-US" sz="2800" i="1" dirty="0" smtClean="0">
+                <a:latin typeface="Interstate" charset="0"/>
+                <a:ea typeface="Interstate" charset="0"/>
+                <a:cs typeface="Interstate" charset="0"/>
+              </a:rPr>
+              <a:t>Filters </a:t>
+            </a:r>
+            <a:r>
+              <a:rPr lang="en-US" sz="2800" b="1" i="1" dirty="0" smtClean="0">
+                <a:latin typeface="Interstate" charset="0"/>
+                <a:ea typeface="Interstate" charset="0"/>
+                <a:cs typeface="Interstate" charset="0"/>
+              </a:rPr>
+              <a:t>a</a:t>
+            </a:r>
+            <a:r>
+              <a:rPr lang="en-US" sz="2800" i="1" dirty="0" smtClean="0">
+                <a:latin typeface="Interstate" charset="0"/>
+                <a:ea typeface="Interstate" charset="0"/>
+                <a:cs typeface="Interstate" charset="0"/>
+              </a:rPr>
+              <a:t> through </a:t>
+            </a:r>
+            <a:r>
+              <a:rPr lang="en-US" sz="2800" b="1" i="1" dirty="0" err="1" smtClean="0">
+                <a:latin typeface="Interstate" charset="0"/>
+                <a:ea typeface="Interstate" charset="0"/>
+                <a:cs typeface="Interstate" charset="0"/>
+              </a:rPr>
+              <a:t>i</a:t>
+            </a:r>
+            <a:r>
+              <a:rPr lang="en-US" sz="2800" i="1" dirty="0" smtClean="0">
+                <a:latin typeface="Interstate" charset="0"/>
+                <a:ea typeface="Interstate" charset="0"/>
+                <a:cs typeface="Interstate" charset="0"/>
+              </a:rPr>
+              <a:t> are plotted left to right</a:t>
+            </a:r>
+            <a:endParaRPr lang="en-US" sz="2800" i="1" dirty="0">
+              <a:latin typeface="Interstate" charset="0"/>
+              <a:ea typeface="Interstate" charset="0"/>
+              <a:cs typeface="Interstate" charset="0"/>
+            </a:endParaRPr>
+          </a:p>
+        </p:txBody>
+      </p:sp>
+      <p:sp>
+        <p:nvSpPr>
+          <p:cNvPr id="116" name="TextBox 115"/>
+          <p:cNvSpPr txBox="1"/>
+          <p:nvPr/>
+        </p:nvSpPr>
+        <p:spPr>
+          <a:xfrm>
+            <a:off x="31793019" y="17592433"/>
+            <a:ext cx="3085270" cy="1384995"/>
+          </a:xfrm>
+          <a:prstGeom prst="rect">
+            <a:avLst/>
+          </a:prstGeom>
+          <a:noFill/>
+        </p:spPr>
+        <p:txBody>
+          <a:bodyPr wrap="square" rtlCol="0">
+            <a:spAutoFit/>
+          </a:bodyPr>
+          <a:lstStyle/>
+          <a:p>
+            <a:pPr marL="30163" marR="0" lvl="0" indent="-30163" algn="ctr" defTabSz="914400" eaLnBrk="1" fontAlgn="auto" latinLnBrk="0" hangingPunct="1">
+              <a:lnSpc>
+                <a:spcPct val="100000"/>
+              </a:lnSpc>
+              <a:spcBef>
+                <a:spcPts val="0"/>
+              </a:spcBef>
+              <a:spcAft>
+                <a:spcPts val="0"/>
+              </a:spcAft>
+              <a:buClrTx/>
+              <a:buSzTx/>
+              <a:buFont typeface="Arial" charset="0"/>
+              <a:buNone/>
+              <a:defRPr/>
+            </a:pPr>
+            <a:r>
+              <a:rPr lang="en-US" sz="2800" i="1" dirty="0" smtClean="0">
+                <a:latin typeface="Interstate" charset="0"/>
+                <a:ea typeface="Interstate" charset="0"/>
+                <a:cs typeface="Interstate" charset="0"/>
+              </a:rPr>
+              <a:t>Filters </a:t>
+            </a:r>
+            <a:r>
+              <a:rPr lang="en-US" sz="2800" b="1" i="1" dirty="0" smtClean="0">
+                <a:latin typeface="Interstate" charset="0"/>
+                <a:ea typeface="Interstate" charset="0"/>
+                <a:cs typeface="Interstate" charset="0"/>
+              </a:rPr>
+              <a:t>a</a:t>
+            </a:r>
+            <a:r>
+              <a:rPr lang="en-US" sz="2800" i="1" dirty="0" smtClean="0">
+                <a:latin typeface="Interstate" charset="0"/>
+                <a:ea typeface="Interstate" charset="0"/>
+                <a:cs typeface="Interstate" charset="0"/>
+              </a:rPr>
+              <a:t> through </a:t>
+            </a:r>
+            <a:r>
+              <a:rPr lang="en-US" sz="2800" b="1" i="1" dirty="0" err="1" smtClean="0">
+                <a:latin typeface="Interstate" charset="0"/>
+                <a:ea typeface="Interstate" charset="0"/>
+                <a:cs typeface="Interstate" charset="0"/>
+              </a:rPr>
+              <a:t>i</a:t>
+            </a:r>
+            <a:r>
+              <a:rPr lang="en-US" sz="2800" i="1" dirty="0" smtClean="0">
+                <a:latin typeface="Interstate" charset="0"/>
+                <a:ea typeface="Interstate" charset="0"/>
+                <a:cs typeface="Interstate" charset="0"/>
+              </a:rPr>
+              <a:t> are shown left to right, top to bottom</a:t>
+            </a:r>
+            <a:endParaRPr lang="en-US" sz="2800" i="1" dirty="0">
+              <a:latin typeface="Interstate" charset="0"/>
+              <a:ea typeface="Interstate" charset="0"/>
+              <a:cs typeface="Interstate" charset="0"/>
+            </a:endParaRPr>
+          </a:p>
+        </p:txBody>
+      </p:sp>
+      <p:sp>
+        <p:nvSpPr>
+          <p:cNvPr id="117" name="TextBox 116"/>
+          <p:cNvSpPr txBox="1"/>
+          <p:nvPr/>
+        </p:nvSpPr>
+        <p:spPr>
+          <a:xfrm>
+            <a:off x="27089607" y="17472408"/>
+            <a:ext cx="4315512" cy="1815882"/>
+          </a:xfrm>
+          <a:prstGeom prst="rect">
+            <a:avLst/>
+          </a:prstGeom>
+          <a:noFill/>
+        </p:spPr>
+        <p:txBody>
+          <a:bodyPr wrap="square" rtlCol="0">
+            <a:spAutoFit/>
+          </a:bodyPr>
+          <a:lstStyle/>
+          <a:p>
+            <a:pPr marL="30163" marR="0" lvl="0" indent="-30163" defTabSz="914400" eaLnBrk="1" fontAlgn="auto" latinLnBrk="0" hangingPunct="1">
+              <a:lnSpc>
+                <a:spcPct val="100000"/>
+              </a:lnSpc>
+              <a:spcBef>
+                <a:spcPts val="0"/>
+              </a:spcBef>
+              <a:spcAft>
+                <a:spcPts val="0"/>
+              </a:spcAft>
+              <a:buClrTx/>
+              <a:buSzTx/>
+              <a:buFont typeface="Arial" charset="0"/>
+              <a:buNone/>
+              <a:defRPr/>
+            </a:pPr>
+            <a:r>
+              <a:rPr lang="en-US" sz="2800" dirty="0" smtClean="0">
+                <a:latin typeface="Interstate" charset="0"/>
+                <a:ea typeface="Interstate" charset="0"/>
+                <a:cs typeface="Interstate" charset="0"/>
+              </a:rPr>
+              <a:t>The largest problem with enhancement is that while features were sharpened, so was the noise in the image.</a:t>
+            </a:r>
+            <a:endParaRPr lang="en-US" sz="2800" dirty="0">
+              <a:latin typeface="Interstate" charset="0"/>
+              <a:ea typeface="Interstate" charset="0"/>
+              <a:cs typeface="Interstate" charset="0"/>
+            </a:endParaRPr>
+          </a:p>
+        </p:txBody>
+      </p:sp>
+      <p:sp>
+        <p:nvSpPr>
+          <p:cNvPr id="118" name="TextBox 117"/>
+          <p:cNvSpPr txBox="1"/>
+          <p:nvPr/>
+        </p:nvSpPr>
+        <p:spPr>
+          <a:xfrm>
+            <a:off x="27082760" y="19486164"/>
+            <a:ext cx="7757520" cy="3108543"/>
+          </a:xfrm>
+          <a:prstGeom prst="rect">
+            <a:avLst/>
+          </a:prstGeom>
+          <a:noFill/>
+        </p:spPr>
+        <p:txBody>
+          <a:bodyPr wrap="square" rtlCol="0">
+            <a:spAutoFit/>
+          </a:bodyPr>
+          <a:lstStyle/>
+          <a:p>
+            <a:pPr marL="457200" marR="0" lvl="0" indent="-457200" defTabSz="914400" eaLnBrk="1" fontAlgn="auto" latinLnBrk="0" hangingPunct="1">
+              <a:lnSpc>
+                <a:spcPct val="100000"/>
+              </a:lnSpc>
+              <a:spcBef>
+                <a:spcPts val="0"/>
+              </a:spcBef>
+              <a:spcAft>
+                <a:spcPts val="0"/>
+              </a:spcAft>
+              <a:buClrTx/>
+              <a:buSzTx/>
+              <a:buFont typeface="Arial" charset="0"/>
+              <a:buChar char="•"/>
+              <a:defRPr/>
+            </a:pPr>
+            <a:r>
+              <a:rPr lang="en-US" sz="2800" dirty="0" smtClean="0">
+                <a:latin typeface="Interstate" charset="0"/>
+                <a:ea typeface="Interstate" charset="0"/>
+                <a:cs typeface="Interstate" charset="0"/>
+              </a:rPr>
+              <a:t>Detection of the Coke can in the test image was not successful.</a:t>
+            </a:r>
+          </a:p>
+          <a:p>
+            <a:pPr marL="457200" marR="0" lvl="0" indent="-457200" defTabSz="914400" eaLnBrk="1" fontAlgn="auto" latinLnBrk="0" hangingPunct="1">
+              <a:lnSpc>
+                <a:spcPct val="100000"/>
+              </a:lnSpc>
+              <a:spcBef>
+                <a:spcPts val="0"/>
+              </a:spcBef>
+              <a:spcAft>
+                <a:spcPts val="0"/>
+              </a:spcAft>
+              <a:buClrTx/>
+              <a:buSzTx/>
+              <a:buFont typeface="Arial" charset="0"/>
+              <a:buChar char="•"/>
+              <a:defRPr/>
+            </a:pPr>
+            <a:r>
+              <a:rPr lang="en-US" sz="2800" dirty="0" smtClean="0">
+                <a:latin typeface="Interstate" charset="0"/>
+                <a:ea typeface="Interstate" charset="0"/>
+                <a:cs typeface="Interstate" charset="0"/>
+              </a:rPr>
+              <a:t>ASIFT was not robust enough to handle finding a logo in different images when the resolution is low.</a:t>
+            </a:r>
+          </a:p>
+          <a:p>
+            <a:pPr marL="457200" marR="0" lvl="0" indent="-457200" defTabSz="914400" eaLnBrk="1" fontAlgn="auto" latinLnBrk="0" hangingPunct="1">
+              <a:lnSpc>
+                <a:spcPct val="100000"/>
+              </a:lnSpc>
+              <a:spcBef>
+                <a:spcPts val="0"/>
+              </a:spcBef>
+              <a:spcAft>
+                <a:spcPts val="0"/>
+              </a:spcAft>
+              <a:buClrTx/>
+              <a:buSzTx/>
+              <a:buFont typeface="Arial" charset="0"/>
+              <a:buChar char="•"/>
+              <a:defRPr/>
+            </a:pPr>
+            <a:r>
+              <a:rPr lang="en-US" sz="2800" dirty="0" smtClean="0">
+                <a:latin typeface="Interstate" charset="0"/>
+                <a:ea typeface="Interstate" charset="0"/>
+                <a:cs typeface="Interstate" charset="0"/>
+              </a:rPr>
+              <a:t>The only improvement  in detection of low quality images came at a large </a:t>
+            </a:r>
+            <a:r>
+              <a:rPr lang="en-US" sz="2800" dirty="0">
+                <a:latin typeface="Interstate" charset="0"/>
+                <a:ea typeface="Interstate" charset="0"/>
+                <a:cs typeface="Interstate" charset="0"/>
+              </a:rPr>
+              <a:t>c</a:t>
+            </a:r>
+            <a:r>
+              <a:rPr lang="en-US" sz="2800" dirty="0" smtClean="0">
+                <a:latin typeface="Interstate" charset="0"/>
+                <a:ea typeface="Interstate" charset="0"/>
+                <a:cs typeface="Interstate" charset="0"/>
+              </a:rPr>
+              <a:t>omputational cost</a:t>
+            </a:r>
+            <a:endParaRPr lang="en-US" sz="2800" dirty="0">
+              <a:latin typeface="Interstate" charset="0"/>
+              <a:ea typeface="Interstate" charset="0"/>
+              <a:cs typeface="Interstate" charset="0"/>
+            </a:endParaRPr>
+          </a:p>
+        </p:txBody>
+      </p:sp>
     </p:spTree>
     <p:extLst>
       <p:ext uri="{BB962C8B-B14F-4D97-AF65-F5344CB8AC3E}">
